--- a/04.others/01.python/Python最优化算法实战/Python最优化算法ppt/第7章  动态规划.pptx
+++ b/04.others/01.python/Python最优化算法实战/Python最优化算法ppt/第7章  动态规划.pptx
@@ -112,6 +112,22 @@
       </a:defRPr>
     </a:lvl9pPr>
   </p:defaultTextStyle>
+  <p:extLst>
+    <p:ext uri="{EFAFB233-063F-42B5-8137-9DF3F51BA10A}">
+      <p15:sldGuideLst xmlns:p15="http://schemas.microsoft.com/office/powerpoint/2012/main">
+        <p15:guide id="1" orient="horz" pos="2160">
+          <p15:clr>
+            <a:srgbClr val="A4A3A4"/>
+          </p15:clr>
+        </p15:guide>
+        <p15:guide id="2" pos="2880">
+          <p15:clr>
+            <a:srgbClr val="A4A3A4"/>
+          </p15:clr>
+        </p15:guide>
+      </p15:sldGuideLst>
+    </p:ext>
+  </p:extLst>
 </p:presentation>
 </file>
 
@@ -153,10 +169,9 @@
           <a:lstStyle/>
           <a:p>
             <a:r>
-              <a:rPr lang="zh-CN" altLang="en-US" smtClean="0"/>
+              <a:rPr lang="zh-CN" altLang="en-US"/>
               <a:t>单击此处编辑母版标题样式</a:t>
             </a:r>
-            <a:endParaRPr lang="zh-CN" altLang="en-US"/>
           </a:p>
         </p:txBody>
       </p:sp>
@@ -272,10 +287,9 @@
           </a:lstStyle>
           <a:p>
             <a:r>
-              <a:rPr lang="zh-CN" altLang="en-US" smtClean="0"/>
+              <a:rPr lang="zh-CN" altLang="en-US"/>
               <a:t>单击此处编辑母版副标题样式</a:t>
             </a:r>
-            <a:endParaRPr lang="zh-CN" altLang="en-US"/>
           </a:p>
         </p:txBody>
       </p:sp>
@@ -296,7 +310,7 @@
           <a:p>
             <a:fld id="{DF5789A1-FA1D-4E3F-B6B9-5BA2AF3B4796}" type="datetimeFigureOut">
               <a:rPr lang="zh-CN" altLang="en-US" smtClean="0"/>
-              <a:t>2023-04-07</a:t>
+              <a:t>2023/11/30</a:t>
             </a:fld>
             <a:endParaRPr lang="zh-CN" altLang="en-US"/>
           </a:p>
@@ -390,10 +404,9 @@
           <a:lstStyle/>
           <a:p>
             <a:r>
-              <a:rPr lang="zh-CN" altLang="en-US" smtClean="0"/>
+              <a:rPr lang="zh-CN" altLang="en-US"/>
               <a:t>单击此处编辑母版标题样式</a:t>
             </a:r>
-            <a:endParaRPr lang="zh-CN" altLang="en-US"/>
           </a:p>
         </p:txBody>
       </p:sp>
@@ -414,38 +427,37 @@
           <a:p>
             <a:pPr lvl="0"/>
             <a:r>
-              <a:rPr lang="zh-CN" altLang="en-US" smtClean="0"/>
+              <a:rPr lang="zh-CN" altLang="en-US"/>
               <a:t>单击此处编辑母版文本样式</a:t>
             </a:r>
           </a:p>
           <a:p>
             <a:pPr lvl="1"/>
             <a:r>
-              <a:rPr lang="zh-CN" altLang="en-US" smtClean="0"/>
+              <a:rPr lang="zh-CN" altLang="en-US"/>
               <a:t>第二级</a:t>
             </a:r>
           </a:p>
           <a:p>
             <a:pPr lvl="2"/>
             <a:r>
-              <a:rPr lang="zh-CN" altLang="en-US" smtClean="0"/>
+              <a:rPr lang="zh-CN" altLang="en-US"/>
               <a:t>第三级</a:t>
             </a:r>
           </a:p>
           <a:p>
             <a:pPr lvl="3"/>
             <a:r>
-              <a:rPr lang="zh-CN" altLang="en-US" smtClean="0"/>
+              <a:rPr lang="zh-CN" altLang="en-US"/>
               <a:t>第四级</a:t>
             </a:r>
           </a:p>
           <a:p>
             <a:pPr lvl="4"/>
             <a:r>
-              <a:rPr lang="zh-CN" altLang="en-US" smtClean="0"/>
+              <a:rPr lang="zh-CN" altLang="en-US"/>
               <a:t>第五级</a:t>
             </a:r>
-            <a:endParaRPr lang="zh-CN" altLang="en-US"/>
           </a:p>
         </p:txBody>
       </p:sp>
@@ -466,7 +478,7 @@
           <a:p>
             <a:fld id="{DF5789A1-FA1D-4E3F-B6B9-5BA2AF3B4796}" type="datetimeFigureOut">
               <a:rPr lang="zh-CN" altLang="en-US" smtClean="0"/>
-              <a:t>2023-04-07</a:t>
+              <a:t>2023/11/30</a:t>
             </a:fld>
             <a:endParaRPr lang="zh-CN" altLang="en-US"/>
           </a:p>
@@ -565,10 +577,9 @@
           <a:lstStyle/>
           <a:p>
             <a:r>
-              <a:rPr lang="zh-CN" altLang="en-US" smtClean="0"/>
+              <a:rPr lang="zh-CN" altLang="en-US"/>
               <a:t>单击此处编辑母版标题样式</a:t>
             </a:r>
-            <a:endParaRPr lang="zh-CN" altLang="en-US"/>
           </a:p>
         </p:txBody>
       </p:sp>
@@ -594,38 +605,37 @@
           <a:p>
             <a:pPr lvl="0"/>
             <a:r>
-              <a:rPr lang="zh-CN" altLang="en-US" smtClean="0"/>
+              <a:rPr lang="zh-CN" altLang="en-US"/>
               <a:t>单击此处编辑母版文本样式</a:t>
             </a:r>
           </a:p>
           <a:p>
             <a:pPr lvl="1"/>
             <a:r>
-              <a:rPr lang="zh-CN" altLang="en-US" smtClean="0"/>
+              <a:rPr lang="zh-CN" altLang="en-US"/>
               <a:t>第二级</a:t>
             </a:r>
           </a:p>
           <a:p>
             <a:pPr lvl="2"/>
             <a:r>
-              <a:rPr lang="zh-CN" altLang="en-US" smtClean="0"/>
+              <a:rPr lang="zh-CN" altLang="en-US"/>
               <a:t>第三级</a:t>
             </a:r>
           </a:p>
           <a:p>
             <a:pPr lvl="3"/>
             <a:r>
-              <a:rPr lang="zh-CN" altLang="en-US" smtClean="0"/>
+              <a:rPr lang="zh-CN" altLang="en-US"/>
               <a:t>第四级</a:t>
             </a:r>
           </a:p>
           <a:p>
             <a:pPr lvl="4"/>
             <a:r>
-              <a:rPr lang="zh-CN" altLang="en-US" smtClean="0"/>
+              <a:rPr lang="zh-CN" altLang="en-US"/>
               <a:t>第五级</a:t>
             </a:r>
-            <a:endParaRPr lang="zh-CN" altLang="en-US"/>
           </a:p>
         </p:txBody>
       </p:sp>
@@ -646,7 +656,7 @@
           <a:p>
             <a:fld id="{DF5789A1-FA1D-4E3F-B6B9-5BA2AF3B4796}" type="datetimeFigureOut">
               <a:rPr lang="zh-CN" altLang="en-US" smtClean="0"/>
-              <a:t>2023-04-07</a:t>
+              <a:t>2023/11/30</a:t>
             </a:fld>
             <a:endParaRPr lang="zh-CN" altLang="en-US"/>
           </a:p>
@@ -740,10 +750,9 @@
           <a:lstStyle/>
           <a:p>
             <a:r>
-              <a:rPr lang="zh-CN" altLang="en-US" smtClean="0"/>
+              <a:rPr lang="zh-CN" altLang="en-US"/>
               <a:t>单击此处编辑母版标题样式</a:t>
             </a:r>
-            <a:endParaRPr lang="zh-CN" altLang="en-US"/>
           </a:p>
         </p:txBody>
       </p:sp>
@@ -764,38 +773,37 @@
           <a:p>
             <a:pPr lvl="0"/>
             <a:r>
-              <a:rPr lang="zh-CN" altLang="en-US" smtClean="0"/>
+              <a:rPr lang="zh-CN" altLang="en-US"/>
               <a:t>单击此处编辑母版文本样式</a:t>
             </a:r>
           </a:p>
           <a:p>
             <a:pPr lvl="1"/>
             <a:r>
-              <a:rPr lang="zh-CN" altLang="en-US" smtClean="0"/>
+              <a:rPr lang="zh-CN" altLang="en-US"/>
               <a:t>第二级</a:t>
             </a:r>
           </a:p>
           <a:p>
             <a:pPr lvl="2"/>
             <a:r>
-              <a:rPr lang="zh-CN" altLang="en-US" smtClean="0"/>
+              <a:rPr lang="zh-CN" altLang="en-US"/>
               <a:t>第三级</a:t>
             </a:r>
           </a:p>
           <a:p>
             <a:pPr lvl="3"/>
             <a:r>
-              <a:rPr lang="zh-CN" altLang="en-US" smtClean="0"/>
+              <a:rPr lang="zh-CN" altLang="en-US"/>
               <a:t>第四级</a:t>
             </a:r>
           </a:p>
           <a:p>
             <a:pPr lvl="4"/>
             <a:r>
-              <a:rPr lang="zh-CN" altLang="en-US" smtClean="0"/>
+              <a:rPr lang="zh-CN" altLang="en-US"/>
               <a:t>第五级</a:t>
             </a:r>
-            <a:endParaRPr lang="zh-CN" altLang="en-US"/>
           </a:p>
         </p:txBody>
       </p:sp>
@@ -816,7 +824,7 @@
           <a:p>
             <a:fld id="{DF5789A1-FA1D-4E3F-B6B9-5BA2AF3B4796}" type="datetimeFigureOut">
               <a:rPr lang="zh-CN" altLang="en-US" smtClean="0"/>
-              <a:t>2023-04-07</a:t>
+              <a:t>2023/11/30</a:t>
             </a:fld>
             <a:endParaRPr lang="zh-CN" altLang="en-US"/>
           </a:p>
@@ -910,10 +918,9 @@
           <a:lstStyle/>
           <a:p>
             <a:r>
-              <a:rPr lang="zh-CN" altLang="en-US" smtClean="0"/>
+              <a:rPr lang="zh-CN" altLang="en-US"/>
               <a:t>单击此处编辑母版标题样式</a:t>
             </a:r>
-            <a:endParaRPr lang="zh-CN" altLang="en-US"/>
           </a:p>
         </p:txBody>
       </p:sp>
@@ -934,38 +941,37 @@
           <a:p>
             <a:pPr lvl="0"/>
             <a:r>
-              <a:rPr lang="zh-CN" altLang="en-US" smtClean="0"/>
+              <a:rPr lang="zh-CN" altLang="en-US"/>
               <a:t>单击此处编辑母版文本样式</a:t>
             </a:r>
           </a:p>
           <a:p>
             <a:pPr lvl="1"/>
             <a:r>
-              <a:rPr lang="zh-CN" altLang="en-US" smtClean="0"/>
+              <a:rPr lang="zh-CN" altLang="en-US"/>
               <a:t>第二级</a:t>
             </a:r>
           </a:p>
           <a:p>
             <a:pPr lvl="2"/>
             <a:r>
-              <a:rPr lang="zh-CN" altLang="en-US" smtClean="0"/>
+              <a:rPr lang="zh-CN" altLang="en-US"/>
               <a:t>第三级</a:t>
             </a:r>
           </a:p>
           <a:p>
             <a:pPr lvl="3"/>
             <a:r>
-              <a:rPr lang="zh-CN" altLang="en-US" smtClean="0"/>
+              <a:rPr lang="zh-CN" altLang="en-US"/>
               <a:t>第四级</a:t>
             </a:r>
           </a:p>
           <a:p>
             <a:pPr lvl="4"/>
             <a:r>
-              <a:rPr lang="zh-CN" altLang="en-US" smtClean="0"/>
+              <a:rPr lang="zh-CN" altLang="en-US"/>
               <a:t>第五级</a:t>
             </a:r>
-            <a:endParaRPr lang="zh-CN" altLang="en-US"/>
           </a:p>
         </p:txBody>
       </p:sp>
@@ -986,7 +992,7 @@
           <a:p>
             <a:fld id="{DF5789A1-FA1D-4E3F-B6B9-5BA2AF3B4796}" type="datetimeFigureOut">
               <a:rPr lang="zh-CN" altLang="en-US" smtClean="0"/>
-              <a:t>2023-04-07</a:t>
+              <a:t>2023/11/30</a:t>
             </a:fld>
             <a:endParaRPr lang="zh-CN" altLang="en-US"/>
           </a:p>
@@ -1089,10 +1095,9 @@
           </a:lstStyle>
           <a:p>
             <a:r>
-              <a:rPr lang="zh-CN" altLang="en-US" smtClean="0"/>
+              <a:rPr lang="zh-CN" altLang="en-US"/>
               <a:t>单击此处编辑母版标题样式</a:t>
             </a:r>
-            <a:endParaRPr lang="zh-CN" altLang="en-US"/>
           </a:p>
         </p:txBody>
       </p:sp>
@@ -1209,7 +1214,7 @@
           <a:p>
             <a:pPr lvl="0"/>
             <a:r>
-              <a:rPr lang="zh-CN" altLang="en-US" smtClean="0"/>
+              <a:rPr lang="zh-CN" altLang="en-US"/>
               <a:t>单击此处编辑母版文本样式</a:t>
             </a:r>
           </a:p>
@@ -1232,7 +1237,7 @@
           <a:p>
             <a:fld id="{DF5789A1-FA1D-4E3F-B6B9-5BA2AF3B4796}" type="datetimeFigureOut">
               <a:rPr lang="zh-CN" altLang="en-US" smtClean="0"/>
-              <a:t>2023-04-07</a:t>
+              <a:t>2023/11/30</a:t>
             </a:fld>
             <a:endParaRPr lang="zh-CN" altLang="en-US"/>
           </a:p>
@@ -1326,10 +1331,9 @@
           <a:lstStyle/>
           <a:p>
             <a:r>
-              <a:rPr lang="zh-CN" altLang="en-US" smtClean="0"/>
+              <a:rPr lang="zh-CN" altLang="en-US"/>
               <a:t>单击此处编辑母版标题样式</a:t>
             </a:r>
-            <a:endParaRPr lang="zh-CN" altLang="en-US"/>
           </a:p>
         </p:txBody>
       </p:sp>
@@ -1383,38 +1387,37 @@
           <a:p>
             <a:pPr lvl="0"/>
             <a:r>
-              <a:rPr lang="zh-CN" altLang="en-US" smtClean="0"/>
+              <a:rPr lang="zh-CN" altLang="en-US"/>
               <a:t>单击此处编辑母版文本样式</a:t>
             </a:r>
           </a:p>
           <a:p>
             <a:pPr lvl="1"/>
             <a:r>
-              <a:rPr lang="zh-CN" altLang="en-US" smtClean="0"/>
+              <a:rPr lang="zh-CN" altLang="en-US"/>
               <a:t>第二级</a:t>
             </a:r>
           </a:p>
           <a:p>
             <a:pPr lvl="2"/>
             <a:r>
-              <a:rPr lang="zh-CN" altLang="en-US" smtClean="0"/>
+              <a:rPr lang="zh-CN" altLang="en-US"/>
               <a:t>第三级</a:t>
             </a:r>
           </a:p>
           <a:p>
             <a:pPr lvl="3"/>
             <a:r>
-              <a:rPr lang="zh-CN" altLang="en-US" smtClean="0"/>
+              <a:rPr lang="zh-CN" altLang="en-US"/>
               <a:t>第四级</a:t>
             </a:r>
           </a:p>
           <a:p>
             <a:pPr lvl="4"/>
             <a:r>
-              <a:rPr lang="zh-CN" altLang="en-US" smtClean="0"/>
+              <a:rPr lang="zh-CN" altLang="en-US"/>
               <a:t>第五级</a:t>
             </a:r>
-            <a:endParaRPr lang="zh-CN" altLang="en-US"/>
           </a:p>
         </p:txBody>
       </p:sp>
@@ -1468,38 +1471,37 @@
           <a:p>
             <a:pPr lvl="0"/>
             <a:r>
-              <a:rPr lang="zh-CN" altLang="en-US" smtClean="0"/>
+              <a:rPr lang="zh-CN" altLang="en-US"/>
               <a:t>单击此处编辑母版文本样式</a:t>
             </a:r>
           </a:p>
           <a:p>
             <a:pPr lvl="1"/>
             <a:r>
-              <a:rPr lang="zh-CN" altLang="en-US" smtClean="0"/>
+              <a:rPr lang="zh-CN" altLang="en-US"/>
               <a:t>第二级</a:t>
             </a:r>
           </a:p>
           <a:p>
             <a:pPr lvl="2"/>
             <a:r>
-              <a:rPr lang="zh-CN" altLang="en-US" smtClean="0"/>
+              <a:rPr lang="zh-CN" altLang="en-US"/>
               <a:t>第三级</a:t>
             </a:r>
           </a:p>
           <a:p>
             <a:pPr lvl="3"/>
             <a:r>
-              <a:rPr lang="zh-CN" altLang="en-US" smtClean="0"/>
+              <a:rPr lang="zh-CN" altLang="en-US"/>
               <a:t>第四级</a:t>
             </a:r>
           </a:p>
           <a:p>
             <a:pPr lvl="4"/>
             <a:r>
-              <a:rPr lang="zh-CN" altLang="en-US" smtClean="0"/>
+              <a:rPr lang="zh-CN" altLang="en-US"/>
               <a:t>第五级</a:t>
             </a:r>
-            <a:endParaRPr lang="zh-CN" altLang="en-US"/>
           </a:p>
         </p:txBody>
       </p:sp>
@@ -1520,7 +1522,7 @@
           <a:p>
             <a:fld id="{DF5789A1-FA1D-4E3F-B6B9-5BA2AF3B4796}" type="datetimeFigureOut">
               <a:rPr lang="zh-CN" altLang="en-US" smtClean="0"/>
-              <a:t>2023-04-07</a:t>
+              <a:t>2023/11/30</a:t>
             </a:fld>
             <a:endParaRPr lang="zh-CN" altLang="en-US"/>
           </a:p>
@@ -1618,10 +1620,9 @@
           </a:lstStyle>
           <a:p>
             <a:r>
-              <a:rPr lang="zh-CN" altLang="en-US" smtClean="0"/>
+              <a:rPr lang="zh-CN" altLang="en-US"/>
               <a:t>单击此处编辑母版标题样式</a:t>
             </a:r>
-            <a:endParaRPr lang="zh-CN" altLang="en-US"/>
           </a:p>
         </p:txBody>
       </p:sp>
@@ -1684,7 +1685,7 @@
           <a:p>
             <a:pPr lvl="0"/>
             <a:r>
-              <a:rPr lang="zh-CN" altLang="en-US" smtClean="0"/>
+              <a:rPr lang="zh-CN" altLang="en-US"/>
               <a:t>单击此处编辑母版文本样式</a:t>
             </a:r>
           </a:p>
@@ -1740,38 +1741,37 @@
           <a:p>
             <a:pPr lvl="0"/>
             <a:r>
-              <a:rPr lang="zh-CN" altLang="en-US" smtClean="0"/>
+              <a:rPr lang="zh-CN" altLang="en-US"/>
               <a:t>单击此处编辑母版文本样式</a:t>
             </a:r>
           </a:p>
           <a:p>
             <a:pPr lvl="1"/>
             <a:r>
-              <a:rPr lang="zh-CN" altLang="en-US" smtClean="0"/>
+              <a:rPr lang="zh-CN" altLang="en-US"/>
               <a:t>第二级</a:t>
             </a:r>
           </a:p>
           <a:p>
             <a:pPr lvl="2"/>
             <a:r>
-              <a:rPr lang="zh-CN" altLang="en-US" smtClean="0"/>
+              <a:rPr lang="zh-CN" altLang="en-US"/>
               <a:t>第三级</a:t>
             </a:r>
           </a:p>
           <a:p>
             <a:pPr lvl="3"/>
             <a:r>
-              <a:rPr lang="zh-CN" altLang="en-US" smtClean="0"/>
+              <a:rPr lang="zh-CN" altLang="en-US"/>
               <a:t>第四级</a:t>
             </a:r>
           </a:p>
           <a:p>
             <a:pPr lvl="4"/>
             <a:r>
-              <a:rPr lang="zh-CN" altLang="en-US" smtClean="0"/>
+              <a:rPr lang="zh-CN" altLang="en-US"/>
               <a:t>第五级</a:t>
             </a:r>
-            <a:endParaRPr lang="zh-CN" altLang="en-US"/>
           </a:p>
         </p:txBody>
       </p:sp>
@@ -1834,7 +1834,7 @@
           <a:p>
             <a:pPr lvl="0"/>
             <a:r>
-              <a:rPr lang="zh-CN" altLang="en-US" smtClean="0"/>
+              <a:rPr lang="zh-CN" altLang="en-US"/>
               <a:t>单击此处编辑母版文本样式</a:t>
             </a:r>
           </a:p>
@@ -1890,38 +1890,37 @@
           <a:p>
             <a:pPr lvl="0"/>
             <a:r>
-              <a:rPr lang="zh-CN" altLang="en-US" smtClean="0"/>
+              <a:rPr lang="zh-CN" altLang="en-US"/>
               <a:t>单击此处编辑母版文本样式</a:t>
             </a:r>
           </a:p>
           <a:p>
             <a:pPr lvl="1"/>
             <a:r>
-              <a:rPr lang="zh-CN" altLang="en-US" smtClean="0"/>
+              <a:rPr lang="zh-CN" altLang="en-US"/>
               <a:t>第二级</a:t>
             </a:r>
           </a:p>
           <a:p>
             <a:pPr lvl="2"/>
             <a:r>
-              <a:rPr lang="zh-CN" altLang="en-US" smtClean="0"/>
+              <a:rPr lang="zh-CN" altLang="en-US"/>
               <a:t>第三级</a:t>
             </a:r>
           </a:p>
           <a:p>
             <a:pPr lvl="3"/>
             <a:r>
-              <a:rPr lang="zh-CN" altLang="en-US" smtClean="0"/>
+              <a:rPr lang="zh-CN" altLang="en-US"/>
               <a:t>第四级</a:t>
             </a:r>
           </a:p>
           <a:p>
             <a:pPr lvl="4"/>
             <a:r>
-              <a:rPr lang="zh-CN" altLang="en-US" smtClean="0"/>
+              <a:rPr lang="zh-CN" altLang="en-US"/>
               <a:t>第五级</a:t>
             </a:r>
-            <a:endParaRPr lang="zh-CN" altLang="en-US"/>
           </a:p>
         </p:txBody>
       </p:sp>
@@ -1942,7 +1941,7 @@
           <a:p>
             <a:fld id="{DF5789A1-FA1D-4E3F-B6B9-5BA2AF3B4796}" type="datetimeFigureOut">
               <a:rPr lang="zh-CN" altLang="en-US" smtClean="0"/>
-              <a:t>2023-04-07</a:t>
+              <a:t>2023/11/30</a:t>
             </a:fld>
             <a:endParaRPr lang="zh-CN" altLang="en-US"/>
           </a:p>
@@ -2036,10 +2035,9 @@
           <a:lstStyle/>
           <a:p>
             <a:r>
-              <a:rPr lang="zh-CN" altLang="en-US" smtClean="0"/>
+              <a:rPr lang="zh-CN" altLang="en-US"/>
               <a:t>单击此处编辑母版标题样式</a:t>
             </a:r>
-            <a:endParaRPr lang="zh-CN" altLang="en-US"/>
           </a:p>
         </p:txBody>
       </p:sp>
@@ -2060,7 +2058,7 @@
           <a:p>
             <a:fld id="{DF5789A1-FA1D-4E3F-B6B9-5BA2AF3B4796}" type="datetimeFigureOut">
               <a:rPr lang="zh-CN" altLang="en-US" smtClean="0"/>
-              <a:t>2023-04-07</a:t>
+              <a:t>2023/11/30</a:t>
             </a:fld>
             <a:endParaRPr lang="zh-CN" altLang="en-US"/>
           </a:p>
@@ -2155,7 +2153,7 @@
           <a:p>
             <a:fld id="{DF5789A1-FA1D-4E3F-B6B9-5BA2AF3B4796}" type="datetimeFigureOut">
               <a:rPr lang="zh-CN" altLang="en-US" smtClean="0"/>
-              <a:t>2023-04-07</a:t>
+              <a:t>2023/11/30</a:t>
             </a:fld>
             <a:endParaRPr lang="zh-CN" altLang="en-US"/>
           </a:p>
@@ -2258,10 +2256,9 @@
           </a:lstStyle>
           <a:p>
             <a:r>
-              <a:rPr lang="zh-CN" altLang="en-US" smtClean="0"/>
+              <a:rPr lang="zh-CN" altLang="en-US"/>
               <a:t>单击此处编辑母版标题样式</a:t>
             </a:r>
-            <a:endParaRPr lang="zh-CN" altLang="en-US"/>
           </a:p>
         </p:txBody>
       </p:sp>
@@ -2315,38 +2312,37 @@
           <a:p>
             <a:pPr lvl="0"/>
             <a:r>
-              <a:rPr lang="zh-CN" altLang="en-US" smtClean="0"/>
+              <a:rPr lang="zh-CN" altLang="en-US"/>
               <a:t>单击此处编辑母版文本样式</a:t>
             </a:r>
           </a:p>
           <a:p>
             <a:pPr lvl="1"/>
             <a:r>
-              <a:rPr lang="zh-CN" altLang="en-US" smtClean="0"/>
+              <a:rPr lang="zh-CN" altLang="en-US"/>
               <a:t>第二级</a:t>
             </a:r>
           </a:p>
           <a:p>
             <a:pPr lvl="2"/>
             <a:r>
-              <a:rPr lang="zh-CN" altLang="en-US" smtClean="0"/>
+              <a:rPr lang="zh-CN" altLang="en-US"/>
               <a:t>第三级</a:t>
             </a:r>
           </a:p>
           <a:p>
             <a:pPr lvl="3"/>
             <a:r>
-              <a:rPr lang="zh-CN" altLang="en-US" smtClean="0"/>
+              <a:rPr lang="zh-CN" altLang="en-US"/>
               <a:t>第四级</a:t>
             </a:r>
           </a:p>
           <a:p>
             <a:pPr lvl="4"/>
             <a:r>
-              <a:rPr lang="zh-CN" altLang="en-US" smtClean="0"/>
+              <a:rPr lang="zh-CN" altLang="en-US"/>
               <a:t>第五级</a:t>
             </a:r>
-            <a:endParaRPr lang="zh-CN" altLang="en-US"/>
           </a:p>
         </p:txBody>
       </p:sp>
@@ -2409,7 +2405,7 @@
           <a:p>
             <a:pPr lvl="0"/>
             <a:r>
-              <a:rPr lang="zh-CN" altLang="en-US" smtClean="0"/>
+              <a:rPr lang="zh-CN" altLang="en-US"/>
               <a:t>单击此处编辑母版文本样式</a:t>
             </a:r>
           </a:p>
@@ -2432,7 +2428,7 @@
           <a:p>
             <a:fld id="{DF5789A1-FA1D-4E3F-B6B9-5BA2AF3B4796}" type="datetimeFigureOut">
               <a:rPr lang="zh-CN" altLang="en-US" smtClean="0"/>
-              <a:t>2023-04-07</a:t>
+              <a:t>2023/11/30</a:t>
             </a:fld>
             <a:endParaRPr lang="zh-CN" altLang="en-US"/>
           </a:p>
@@ -2535,10 +2531,9 @@
           </a:lstStyle>
           <a:p>
             <a:r>
-              <a:rPr lang="zh-CN" altLang="en-US" smtClean="0"/>
+              <a:rPr lang="zh-CN" altLang="en-US"/>
               <a:t>单击此处编辑母版标题样式</a:t>
             </a:r>
-            <a:endParaRPr lang="zh-CN" altLang="en-US"/>
           </a:p>
         </p:txBody>
       </p:sp>
@@ -2662,7 +2657,7 @@
           <a:p>
             <a:pPr lvl="0"/>
             <a:r>
-              <a:rPr lang="zh-CN" altLang="en-US" smtClean="0"/>
+              <a:rPr lang="zh-CN" altLang="en-US"/>
               <a:t>单击此处编辑母版文本样式</a:t>
             </a:r>
           </a:p>
@@ -2685,7 +2680,7 @@
           <a:p>
             <a:fld id="{DF5789A1-FA1D-4E3F-B6B9-5BA2AF3B4796}" type="datetimeFigureOut">
               <a:rPr lang="zh-CN" altLang="en-US" smtClean="0"/>
-              <a:t>2023-04-07</a:t>
+              <a:t>2023/11/30</a:t>
             </a:fld>
             <a:endParaRPr lang="zh-CN" altLang="en-US"/>
           </a:p>
@@ -2794,10 +2789,9 @@
           <a:lstStyle/>
           <a:p>
             <a:r>
-              <a:rPr lang="zh-CN" altLang="en-US" smtClean="0"/>
+              <a:rPr lang="zh-CN" altLang="en-US"/>
               <a:t>单击此处编辑母版标题样式</a:t>
             </a:r>
-            <a:endParaRPr lang="zh-CN" altLang="en-US"/>
           </a:p>
         </p:txBody>
       </p:sp>
@@ -2828,38 +2822,37 @@
           <a:p>
             <a:pPr lvl="0"/>
             <a:r>
-              <a:rPr lang="zh-CN" altLang="en-US" smtClean="0"/>
+              <a:rPr lang="zh-CN" altLang="en-US"/>
               <a:t>单击此处编辑母版文本样式</a:t>
             </a:r>
           </a:p>
           <a:p>
             <a:pPr lvl="1"/>
             <a:r>
-              <a:rPr lang="zh-CN" altLang="en-US" smtClean="0"/>
+              <a:rPr lang="zh-CN" altLang="en-US"/>
               <a:t>第二级</a:t>
             </a:r>
           </a:p>
           <a:p>
             <a:pPr lvl="2"/>
             <a:r>
-              <a:rPr lang="zh-CN" altLang="en-US" smtClean="0"/>
+              <a:rPr lang="zh-CN" altLang="en-US"/>
               <a:t>第三级</a:t>
             </a:r>
           </a:p>
           <a:p>
             <a:pPr lvl="3"/>
             <a:r>
-              <a:rPr lang="zh-CN" altLang="en-US" smtClean="0"/>
+              <a:rPr lang="zh-CN" altLang="en-US"/>
               <a:t>第四级</a:t>
             </a:r>
           </a:p>
           <a:p>
             <a:pPr lvl="4"/>
             <a:r>
-              <a:rPr lang="zh-CN" altLang="en-US" smtClean="0"/>
+              <a:rPr lang="zh-CN" altLang="en-US"/>
               <a:t>第五级</a:t>
             </a:r>
-            <a:endParaRPr lang="zh-CN" altLang="en-US"/>
           </a:p>
         </p:txBody>
       </p:sp>
@@ -2898,7 +2891,7 @@
           <a:p>
             <a:fld id="{DF5789A1-FA1D-4E3F-B6B9-5BA2AF3B4796}" type="datetimeFigureOut">
               <a:rPr lang="zh-CN" altLang="en-US" smtClean="0"/>
-              <a:t>2023-04-07</a:t>
+              <a:t>2023/11/30</a:t>
             </a:fld>
             <a:endParaRPr lang="zh-CN" altLang="en-US"/>
           </a:p>
@@ -3291,27 +3284,27 @@
           <a:p>
             <a:pPr marR="0" rtl="0"/>
             <a:r>
-              <a:rPr lang="zh-CN" altLang="en-US" b="1" i="0" u="none" strike="noStrike" baseline="0" smtClean="0">
+              <a:rPr lang="zh-CN" altLang="en-US" b="1" i="0" u="none" strike="noStrike" baseline="0">
                 <a:latin typeface="Cambria"/>
                 <a:ea typeface="宋体"/>
               </a:rPr>
               <a:t>第</a:t>
             </a:r>
             <a:r>
-              <a:rPr lang="en-US" altLang="zh-CN" b="1" i="0" u="none" strike="noStrike" baseline="0" smtClean="0">
+              <a:rPr lang="en-US" altLang="zh-CN" b="1" i="0" u="none" strike="noStrike" baseline="0">
                 <a:latin typeface="Cambria"/>
                 <a:ea typeface="宋体"/>
               </a:rPr>
               <a:t>7</a:t>
             </a:r>
             <a:r>
-              <a:rPr lang="zh-CN" altLang="en-US" b="1" i="0" u="none" strike="noStrike" baseline="0" smtClean="0">
+              <a:rPr lang="zh-CN" altLang="en-US" b="1" i="0" u="none" strike="noStrike" baseline="0">
                 <a:latin typeface="Cambria"/>
                 <a:ea typeface="宋体"/>
               </a:rPr>
               <a:t>章  动态规划</a:t>
             </a:r>
-            <a:endParaRPr lang="zh-CN" altLang="en-US" b="1" i="0" u="none" strike="noStrike" baseline="0" smtClean="0">
+            <a:endParaRPr lang="zh-CN" altLang="en-US" b="1" i="0" u="none" strike="noStrike" baseline="0">
               <a:latin typeface="Times New Roman"/>
               <a:ea typeface="宋体"/>
             </a:endParaRPr>
@@ -3337,41 +3330,41 @@
           <a:p>
             <a:pPr marR="0" lvl="0" rtl="0"/>
             <a:r>
-              <a:rPr lang="zh-CN" altLang="en-US" b="1" i="0" u="none" strike="noStrike" kern="1400" baseline="0" smtClean="0">
+              <a:rPr lang="zh-CN" altLang="en-US" b="1" i="0" u="none" strike="noStrike" kern="1400" baseline="0" dirty="0">
                 <a:latin typeface="Cambria"/>
                 <a:ea typeface="宋体"/>
               </a:rPr>
               <a:t>动态规划（</a:t>
             </a:r>
             <a:r>
-              <a:rPr lang="en-US" altLang="zh-CN" b="1" i="0" u="none" strike="noStrike" kern="1400" baseline="0" smtClean="0">
+              <a:rPr lang="en-US" altLang="zh-CN" b="1" i="0" u="none" strike="noStrike" kern="1400" baseline="0" dirty="0">
                 <a:latin typeface="Cambria"/>
                 <a:ea typeface="宋体"/>
               </a:rPr>
               <a:t>dynamic programming</a:t>
             </a:r>
             <a:r>
-              <a:rPr lang="zh-CN" altLang="en-US" b="1" i="0" u="none" strike="noStrike" kern="1400" baseline="0" smtClean="0">
+              <a:rPr lang="zh-CN" altLang="en-US" b="1" i="0" u="none" strike="noStrike" kern="1400" baseline="0" dirty="0">
                 <a:latin typeface="Cambria"/>
                 <a:ea typeface="宋体"/>
               </a:rPr>
               <a:t>，</a:t>
             </a:r>
             <a:r>
-              <a:rPr lang="en-US" altLang="zh-CN" b="1" i="0" u="none" strike="noStrike" kern="1400" baseline="0" smtClean="0">
+              <a:rPr lang="en-US" altLang="zh-CN" b="1" i="0" u="none" strike="noStrike" kern="1400" baseline="0" dirty="0">
                 <a:latin typeface="Cambria"/>
                 <a:ea typeface="宋体"/>
               </a:rPr>
               <a:t>DP</a:t>
             </a:r>
             <a:r>
-              <a:rPr lang="zh-CN" altLang="en-US" b="1" i="0" u="none" strike="noStrike" kern="1400" baseline="0" smtClean="0">
-                <a:latin typeface="Cambria"/>
-                <a:ea typeface="宋体"/>
-              </a:rPr>
-              <a:t>）是运筹学的一个分支，是解决的多阶段决策过程最优化的一种方法，它把多变量复杂决策的问题进行分阶段决策，高效求解多个单变量的决策问题，许多问题用动态规划处理，比用线性规划或非线性规划处理更加有效，比如最短路径问题，设备维修换新问题，多阶段库存问题等，动态规划在现代企业管理，工农业生产中有着广泛的应用。</a:t>
-            </a:r>
-            <a:endParaRPr lang="zh-CN" altLang="en-US" b="1" i="0" u="none" strike="noStrike" kern="1400" baseline="0" smtClean="0">
+              <a:rPr lang="zh-CN" altLang="en-US" b="1" i="0" u="none" strike="noStrike" kern="1400" baseline="0">
+                <a:latin typeface="Cambria"/>
+                <a:ea typeface="宋体"/>
+              </a:rPr>
+              <a:t>）是运筹学的一个分支，是解决多阶段决策过程最优化的一种方法，它把多变量复杂决策的问题进行分阶段决策，高效求解多个单变量的决策问题，许多问题用动态规划处理，比用线性规划或非线性规划处理更加有效，比如最短路径问题，设备维修换新问题，多阶段库存问题等，动态规划在现代企业管理，工农业生产中有着广泛的应用。</a:t>
+            </a:r>
+            <a:endParaRPr lang="zh-CN" altLang="en-US" b="1" i="0" u="none" strike="noStrike" kern="1400" baseline="0">
               <a:latin typeface="Times New Roman"/>
               <a:ea typeface="宋体"/>
             </a:endParaRPr>
@@ -3425,20 +3418,20 @@
           <a:p>
             <a:pPr marR="0" rtl="0"/>
             <a:r>
-              <a:rPr lang="en-US" altLang="zh-CN" b="1" i="0" u="none" strike="noStrike" baseline="0" smtClean="0">
+              <a:rPr lang="en-US" altLang="zh-CN" b="1" i="0" u="none" strike="noStrike" baseline="0">
                 <a:latin typeface="Cambria"/>
                 <a:ea typeface="宋体"/>
               </a:rPr>
               <a:t>7.1  </a:t>
             </a:r>
             <a:r>
-              <a:rPr lang="zh-CN" altLang="en-US" b="1" i="0" u="none" strike="noStrike" baseline="0" smtClean="0">
+              <a:rPr lang="zh-CN" altLang="en-US" b="1" i="0" u="none" strike="noStrike" baseline="0">
                 <a:latin typeface="Cambria"/>
                 <a:ea typeface="宋体"/>
               </a:rPr>
               <a:t>多阶段决策问题</a:t>
             </a:r>
-            <a:endParaRPr lang="zh-CN" altLang="en-US" b="1" i="0" u="none" strike="noStrike" baseline="0" smtClean="0">
+            <a:endParaRPr lang="zh-CN" altLang="en-US" b="1" i="0" u="none" strike="noStrike" baseline="0">
               <a:latin typeface="Times New Roman"/>
               <a:ea typeface="宋体"/>
             </a:endParaRPr>
@@ -3469,7 +3462,7 @@
           <a:p>
             <a:pPr marR="0" lvl="0" rtl="0"/>
             <a:r>
-              <a:rPr lang="zh-CN" altLang="en-US" b="1" i="0" u="none" strike="noStrike" kern="1400" baseline="0" dirty="0" smtClean="0">
+              <a:rPr lang="zh-CN" altLang="en-US" b="1" i="0" u="none" strike="noStrike" kern="1400" baseline="0" dirty="0">
                 <a:latin typeface="Cambria"/>
                 <a:ea typeface="宋体"/>
               </a:rPr>
@@ -3479,21 +3472,21 @@
           <a:p>
             <a:pPr marR="0" lvl="0" rtl="0"/>
             <a:r>
-              <a:rPr lang="zh-CN" altLang="en-US" b="1" i="0" u="none" strike="noStrike" kern="1400" baseline="0" dirty="0" smtClean="0">
+              <a:rPr lang="zh-CN" altLang="en-US" b="1" i="0" u="none" strike="noStrike" kern="1400" baseline="0" dirty="0">
                 <a:latin typeface="Cambria"/>
                 <a:ea typeface="宋体"/>
               </a:rPr>
               <a:t>一个较常见的多阶段决策问题是网络最短路径问题，如图</a:t>
             </a:r>
             <a:r>
-              <a:rPr lang="en-US" altLang="zh-CN" b="1" i="0" u="none" strike="noStrike" kern="1400" baseline="0" dirty="0" smtClean="0">
+              <a:rPr lang="en-US" altLang="zh-CN" b="1" i="0" u="none" strike="noStrike" kern="1400" baseline="0" dirty="0">
                 <a:latin typeface="Cambria"/>
                 <a:ea typeface="宋体"/>
               </a:rPr>
               <a:t>7.1</a:t>
             </a:r>
             <a:r>
-              <a:rPr lang="zh-CN" altLang="en-US" b="1" i="0" u="none" strike="noStrike" kern="1400" baseline="0" dirty="0" smtClean="0">
+              <a:rPr lang="zh-CN" altLang="en-US" b="1" i="0" u="none" strike="noStrike" kern="1400" baseline="0" dirty="0">
                 <a:latin typeface="Cambria"/>
                 <a:ea typeface="宋体"/>
               </a:rPr>
@@ -3502,7 +3495,7 @@
           </a:p>
           <a:p>
             <a:pPr marR="0" lvl="0" rtl="0"/>
-            <a:endParaRPr lang="zh-CN" altLang="en-US" b="1" i="0" u="none" strike="noStrike" kern="1400" baseline="0" dirty="0" smtClean="0">
+            <a:endParaRPr lang="zh-CN" altLang="en-US" b="1" i="0" u="none" strike="noStrike" kern="1400" baseline="0" dirty="0">
               <a:latin typeface="Times New Roman"/>
               <a:ea typeface="宋体"/>
             </a:endParaRPr>
@@ -3635,34 +3628,34 @@
           <a:p>
             <a:pPr marR="0" rtl="0"/>
             <a:r>
-              <a:rPr lang="en-US" altLang="zh-CN" b="1" i="0" u="none" strike="noStrike" baseline="0" smtClean="0">
+              <a:rPr lang="en-US" altLang="zh-CN" b="1" i="0" u="none" strike="noStrike" baseline="0">
                 <a:latin typeface="Cambria"/>
                 <a:ea typeface="宋体"/>
               </a:rPr>
               <a:t>7</a:t>
             </a:r>
             <a:r>
-              <a:rPr lang="en-US" altLang="zh-CN" b="1" i="0" u="none" strike="noStrike" baseline="0" smtClean="0">
+              <a:rPr lang="en-US" altLang="zh-CN" b="1" i="0" u="none" strike="noStrike" baseline="0">
                 <a:latin typeface="Times New Roman"/>
                 <a:ea typeface="宋体"/>
               </a:rPr>
               <a:t>.</a:t>
             </a:r>
             <a:r>
-              <a:rPr lang="en-US" altLang="zh-CN" b="1" i="0" u="none" strike="noStrike" baseline="0" smtClean="0">
+              <a:rPr lang="en-US" altLang="zh-CN" b="1" i="0" u="none" strike="noStrike" baseline="0">
                 <a:latin typeface="Cambria"/>
                 <a:ea typeface="宋体"/>
               </a:rPr>
               <a:t>2</a:t>
             </a:r>
             <a:r>
-              <a:rPr lang="zh-CN" altLang="en-US" b="1" i="0" u="none" strike="noStrike" baseline="0" smtClean="0">
+              <a:rPr lang="zh-CN" altLang="en-US" b="1" i="0" u="none" strike="noStrike" baseline="0">
                 <a:latin typeface="Cambria"/>
                 <a:ea typeface="宋体"/>
               </a:rPr>
               <a:t>  动态规划基本概念</a:t>
             </a:r>
-            <a:endParaRPr lang="zh-CN" altLang="en-US" b="1" i="0" u="none" strike="noStrike" baseline="0" smtClean="0">
+            <a:endParaRPr lang="zh-CN" altLang="en-US" b="1" i="0" u="none" strike="noStrike" baseline="0">
               <a:latin typeface="Times New Roman"/>
               <a:ea typeface="宋体"/>
             </a:endParaRPr>
@@ -3686,7 +3679,7 @@
           <a:p>
             <a:pPr marR="0" lvl="0" rtl="0"/>
             <a:r>
-              <a:rPr lang="zh-CN" altLang="en-US" b="1" i="0" u="none" strike="noStrike" kern="1400" baseline="0" smtClean="0">
+              <a:rPr lang="zh-CN" altLang="en-US" b="1" i="0" u="none" strike="noStrike" kern="1400" baseline="0">
                 <a:latin typeface="Cambria"/>
                 <a:ea typeface="宋体"/>
               </a:rPr>
@@ -3696,119 +3689,119 @@
           <a:p>
             <a:pPr marR="0" lvl="0" rtl="0"/>
             <a:r>
-              <a:rPr lang="zh-CN" altLang="en-US" b="1" i="0" u="none" strike="noStrike" kern="1400" baseline="0" smtClean="0">
+              <a:rPr lang="zh-CN" altLang="en-US" b="1" i="0" u="none" strike="noStrike" kern="1400" baseline="0">
                 <a:latin typeface="Cambria"/>
                 <a:ea typeface="宋体"/>
               </a:rPr>
               <a:t>（</a:t>
             </a:r>
             <a:r>
-              <a:rPr lang="en-US" altLang="zh-CN" b="1" i="0" u="none" strike="noStrike" kern="1400" baseline="0" smtClean="0">
+              <a:rPr lang="en-US" altLang="zh-CN" b="1" i="0" u="none" strike="noStrike" kern="1400" baseline="0">
                 <a:latin typeface="Cambria"/>
                 <a:ea typeface="宋体"/>
               </a:rPr>
               <a:t>1</a:t>
             </a:r>
             <a:r>
-              <a:rPr lang="zh-CN" altLang="en-US" b="1" i="0" u="none" strike="noStrike" kern="1400" baseline="0" smtClean="0">
+              <a:rPr lang="zh-CN" altLang="en-US" b="1" i="0" u="none" strike="noStrike" kern="1400" baseline="0">
                 <a:latin typeface="Cambria"/>
                 <a:ea typeface="宋体"/>
               </a:rPr>
               <a:t>）阶段</a:t>
             </a:r>
             <a:r>
-              <a:rPr lang="en-US" altLang="zh-CN" b="1" i="0" u="none" strike="noStrike" kern="1400" baseline="0" smtClean="0">
+              <a:rPr lang="en-US" altLang="zh-CN" b="1" i="0" u="none" strike="noStrike" kern="1400" baseline="0">
                 <a:latin typeface="Cambria"/>
                 <a:ea typeface="宋体"/>
               </a:rPr>
               <a:t>k</a:t>
             </a:r>
             <a:r>
-              <a:rPr lang="zh-CN" altLang="en-US" b="1" i="0" u="none" strike="noStrike" kern="1400" baseline="0" smtClean="0">
+              <a:rPr lang="zh-CN" altLang="en-US" b="1" i="0" u="none" strike="noStrike" kern="1400" baseline="0">
                 <a:latin typeface="Cambria"/>
                 <a:ea typeface="宋体"/>
               </a:rPr>
               <a:t>：（</a:t>
             </a:r>
             <a:r>
-              <a:rPr lang="en-US" altLang="zh-CN" b="1" i="0" u="none" strike="noStrike" kern="1400" baseline="0" smtClean="0">
+              <a:rPr lang="en-US" altLang="zh-CN" b="1" i="0" u="none" strike="noStrike" kern="1400" baseline="0">
                 <a:latin typeface="Cambria"/>
                 <a:ea typeface="宋体"/>
               </a:rPr>
               <a:t>2</a:t>
             </a:r>
             <a:r>
-              <a:rPr lang="zh-CN" altLang="en-US" b="1" i="0" u="none" strike="noStrike" kern="1400" baseline="0" smtClean="0">
+              <a:rPr lang="zh-CN" altLang="en-US" b="1" i="0" u="none" strike="noStrike" kern="1400" baseline="0">
                 <a:latin typeface="Cambria"/>
                 <a:ea typeface="宋体"/>
               </a:rPr>
               <a:t>）状态：（</a:t>
             </a:r>
             <a:r>
-              <a:rPr lang="en-US" altLang="zh-CN" b="1" i="0" u="none" strike="noStrike" kern="1400" baseline="0" smtClean="0">
+              <a:rPr lang="en-US" altLang="zh-CN" b="1" i="0" u="none" strike="noStrike" kern="1400" baseline="0">
                 <a:latin typeface="Cambria"/>
                 <a:ea typeface="宋体"/>
               </a:rPr>
               <a:t>3</a:t>
             </a:r>
             <a:r>
-              <a:rPr lang="zh-CN" altLang="en-US" b="1" i="0" u="none" strike="noStrike" kern="1400" baseline="0" smtClean="0">
+              <a:rPr lang="zh-CN" altLang="en-US" b="1" i="0" u="none" strike="noStrike" kern="1400" baseline="0">
                 <a:latin typeface="Cambria"/>
                 <a:ea typeface="宋体"/>
               </a:rPr>
               <a:t>）决策：（</a:t>
             </a:r>
             <a:r>
-              <a:rPr lang="en-US" altLang="zh-CN" b="1" i="0" u="none" strike="noStrike" kern="1400" baseline="0" smtClean="0">
+              <a:rPr lang="en-US" altLang="zh-CN" b="1" i="0" u="none" strike="noStrike" kern="1400" baseline="0">
                 <a:latin typeface="Cambria"/>
                 <a:ea typeface="宋体"/>
               </a:rPr>
               <a:t>4</a:t>
             </a:r>
             <a:r>
-              <a:rPr lang="zh-CN" altLang="en-US" b="1" i="0" u="none" strike="noStrike" kern="1400" baseline="0" smtClean="0">
+              <a:rPr lang="zh-CN" altLang="en-US" b="1" i="0" u="none" strike="noStrike" kern="1400" baseline="0">
                 <a:latin typeface="Cambria"/>
                 <a:ea typeface="宋体"/>
               </a:rPr>
               <a:t>）策略：（</a:t>
             </a:r>
             <a:r>
-              <a:rPr lang="en-US" altLang="zh-CN" b="1" i="0" u="none" strike="noStrike" kern="1400" baseline="0" smtClean="0">
+              <a:rPr lang="en-US" altLang="zh-CN" b="1" i="0" u="none" strike="noStrike" kern="1400" baseline="0">
                 <a:latin typeface="Cambria"/>
                 <a:ea typeface="宋体"/>
               </a:rPr>
               <a:t>5</a:t>
             </a:r>
             <a:r>
-              <a:rPr lang="zh-CN" altLang="en-US" b="1" i="0" u="none" strike="noStrike" kern="1400" baseline="0" smtClean="0">
+              <a:rPr lang="zh-CN" altLang="en-US" b="1" i="0" u="none" strike="noStrike" kern="1400" baseline="0">
                 <a:latin typeface="Cambria"/>
                 <a:ea typeface="宋体"/>
               </a:rPr>
               <a:t>）状态转移方程：（</a:t>
             </a:r>
             <a:r>
-              <a:rPr lang="en-US" altLang="zh-CN" b="1" i="0" u="none" strike="noStrike" kern="1400" baseline="0" smtClean="0">
+              <a:rPr lang="en-US" altLang="zh-CN" b="1" i="0" u="none" strike="noStrike" kern="1400" baseline="0">
                 <a:latin typeface="Cambria"/>
                 <a:ea typeface="宋体"/>
               </a:rPr>
               <a:t>6</a:t>
             </a:r>
             <a:r>
-              <a:rPr lang="zh-CN" altLang="en-US" b="1" i="0" u="none" strike="noStrike" kern="1400" baseline="0" smtClean="0">
+              <a:rPr lang="zh-CN" altLang="en-US" b="1" i="0" u="none" strike="noStrike" kern="1400" baseline="0">
                 <a:latin typeface="Cambria"/>
                 <a:ea typeface="宋体"/>
               </a:rPr>
               <a:t>）阶段指标函数：（</a:t>
             </a:r>
             <a:r>
-              <a:rPr lang="en-US" altLang="zh-CN" b="1" i="0" u="none" strike="noStrike" kern="1400" baseline="0" smtClean="0">
+              <a:rPr lang="en-US" altLang="zh-CN" b="1" i="0" u="none" strike="noStrike" kern="1400" baseline="0">
                 <a:latin typeface="Cambria"/>
                 <a:ea typeface="宋体"/>
               </a:rPr>
               <a:t>7</a:t>
             </a:r>
             <a:r>
-              <a:rPr lang="zh-CN" altLang="en-US" b="1" i="0" u="none" strike="noStrike" kern="1400" baseline="0" smtClean="0">
+              <a:rPr lang="zh-CN" altLang="en-US" b="1" i="0" u="none" strike="noStrike" kern="1400" baseline="0">
                 <a:latin typeface="Cambria"/>
                 <a:ea typeface="宋体"/>
               </a:rPr>
@@ -3818,13 +3811,13 @@
           <a:p>
             <a:pPr marR="0" lvl="0" rtl="0"/>
             <a:r>
-              <a:rPr lang="zh-CN" altLang="en-US" b="1" i="0" u="none" strike="noStrike" kern="1400" baseline="0" smtClean="0">
+              <a:rPr lang="zh-CN" altLang="en-US" b="1" i="0" u="none" strike="noStrike" kern="1400" baseline="0">
                 <a:latin typeface="Cambria"/>
                 <a:ea typeface="宋体"/>
               </a:rPr>
               <a:t>注意指标函数和阶段指标函数是不一样的。指标函数和最优指标函数通常有两种形式，分别是累加和累积形式。</a:t>
             </a:r>
-            <a:endParaRPr lang="zh-CN" altLang="en-US" b="1" i="0" u="none" strike="noStrike" kern="1400" baseline="0" smtClean="0">
+            <a:endParaRPr lang="zh-CN" altLang="en-US" b="1" i="0" u="none" strike="noStrike" kern="1400" baseline="0">
               <a:latin typeface="Times New Roman"/>
               <a:ea typeface="宋体"/>
             </a:endParaRPr>
@@ -3877,7 +3870,7 @@
           <a:lstStyle/>
           <a:p>
             <a:pPr marR="0" rtl="0"/>
-            <a:endParaRPr lang="zh-CN" altLang="en-US" b="1" i="0" u="none" strike="noStrike" baseline="0" smtClean="0">
+            <a:endParaRPr lang="zh-CN" altLang="en-US" b="1" i="0" u="none" strike="noStrike" baseline="0">
               <a:latin typeface="Times New Roman"/>
               <a:ea typeface="宋体"/>
             </a:endParaRPr>
@@ -3903,7 +3896,7 @@
           <a:p>
             <a:pPr marR="0" lvl="0" rtl="0"/>
             <a:r>
-              <a:rPr lang="zh-CN" altLang="en-US" b="1" i="0" u="none" strike="noStrike" kern="1400" baseline="0" dirty="0" smtClean="0">
+              <a:rPr lang="zh-CN" altLang="en-US" b="1" i="0" u="none" strike="noStrike" kern="1400" baseline="0" dirty="0">
                 <a:latin typeface="Cambria"/>
                 <a:ea typeface="宋体"/>
               </a:rPr>
@@ -3912,7 +3905,7 @@
           </a:p>
           <a:p>
             <a:pPr marR="0" lvl="0" rtl="0"/>
-            <a:endParaRPr lang="zh-CN" altLang="en-US" b="1" i="0" u="none" strike="noStrike" kern="1400" baseline="0" dirty="0" smtClean="0">
+            <a:endParaRPr lang="zh-CN" altLang="en-US" b="1" i="0" u="none" strike="noStrike" kern="1400" baseline="0" dirty="0">
               <a:latin typeface="Times New Roman"/>
               <a:ea typeface="宋体"/>
             </a:endParaRPr>
@@ -3920,7 +3913,7 @@
           <a:p>
             <a:pPr marR="0" lvl="0" rtl="0"/>
             <a:r>
-              <a:rPr lang="zh-CN" altLang="en-US" b="1" i="0" u="none" strike="noStrike" kern="1400" baseline="0" dirty="0" smtClean="0">
+              <a:rPr lang="zh-CN" altLang="en-US" b="1" i="0" u="none" strike="noStrike" kern="1400" baseline="0" dirty="0">
                 <a:latin typeface="Cambria"/>
                 <a:ea typeface="宋体"/>
               </a:rPr>
@@ -3929,7 +3922,7 @@
           </a:p>
           <a:p>
             <a:pPr marR="0" lvl="0" rtl="0"/>
-            <a:endParaRPr lang="zh-CN" altLang="en-US" b="1" i="0" u="none" strike="noStrike" kern="1400" baseline="0" dirty="0" smtClean="0">
+            <a:endParaRPr lang="zh-CN" altLang="en-US" b="1" i="0" u="none" strike="noStrike" kern="1400" baseline="0" dirty="0">
               <a:latin typeface="Times New Roman"/>
               <a:ea typeface="宋体"/>
             </a:endParaRPr>
@@ -3937,35 +3930,35 @@
           <a:p>
             <a:pPr marR="0" lvl="0" rtl="0"/>
             <a:r>
-              <a:rPr lang="zh-CN" altLang="en-US" b="1" i="0" u="none" strike="noStrike" kern="1400" baseline="0" dirty="0" smtClean="0">
+              <a:rPr lang="zh-CN" altLang="en-US" b="1" i="0" u="none" strike="noStrike" kern="1400" baseline="0" dirty="0">
                 <a:latin typeface="Cambria"/>
                 <a:ea typeface="宋体"/>
               </a:rPr>
               <a:t>指标函数的最优值称为最有指标函数，记作        ，它表示从第</a:t>
             </a:r>
             <a:r>
-              <a:rPr lang="en-US" altLang="zh-CN" b="1" i="0" u="none" strike="noStrike" kern="1400" baseline="0" dirty="0" smtClean="0">
+              <a:rPr lang="en-US" altLang="zh-CN" b="1" i="0" u="none" strike="noStrike" kern="1400" baseline="0" dirty="0">
                 <a:latin typeface="Cambria"/>
                 <a:ea typeface="宋体"/>
               </a:rPr>
               <a:t>k</a:t>
             </a:r>
             <a:r>
-              <a:rPr lang="zh-CN" altLang="en-US" b="1" i="0" u="none" strike="noStrike" kern="1400" baseline="0" dirty="0" smtClean="0">
+              <a:rPr lang="zh-CN" altLang="en-US" b="1" i="0" u="none" strike="noStrike" kern="1400" baseline="0" dirty="0">
                 <a:latin typeface="Cambria"/>
                 <a:ea typeface="宋体"/>
               </a:rPr>
               <a:t>阶段由状态    开始到第</a:t>
             </a:r>
             <a:r>
-              <a:rPr lang="en-US" altLang="zh-CN" b="1" i="0" u="none" strike="noStrike" kern="1400" baseline="0" dirty="0" smtClean="0">
+              <a:rPr lang="en-US" altLang="zh-CN" b="1" i="0" u="none" strike="noStrike" kern="1400" baseline="0" dirty="0">
                 <a:latin typeface="Cambria"/>
                 <a:ea typeface="宋体"/>
               </a:rPr>
               <a:t>n</a:t>
             </a:r>
             <a:r>
-              <a:rPr lang="zh-CN" altLang="en-US" b="1" i="0" u="none" strike="noStrike" kern="1400" baseline="0" dirty="0" smtClean="0">
+              <a:rPr lang="zh-CN" altLang="en-US" b="1" i="0" u="none" strike="noStrike" kern="1400" baseline="0" dirty="0">
                 <a:latin typeface="Cambria"/>
                 <a:ea typeface="宋体"/>
               </a:rPr>
@@ -3974,7 +3967,7 @@
           </a:p>
           <a:p>
             <a:pPr marR="0" lvl="0" rtl="0"/>
-            <a:endParaRPr lang="zh-CN" altLang="en-US" b="1" i="0" u="none" strike="noStrike" kern="1400" baseline="0" dirty="0" smtClean="0">
+            <a:endParaRPr lang="zh-CN" altLang="en-US" b="1" i="0" u="none" strike="noStrike" kern="1400" baseline="0" dirty="0">
               <a:latin typeface="Times New Roman"/>
               <a:ea typeface="宋体"/>
             </a:endParaRPr>
@@ -3982,27 +3975,27 @@
           <a:p>
             <a:pPr marR="0" lvl="0" rtl="0"/>
             <a:r>
-              <a:rPr lang="zh-CN" altLang="en-US" b="1" i="0" u="none" strike="noStrike" kern="1400" baseline="0" dirty="0" smtClean="0">
+              <a:rPr lang="zh-CN" altLang="en-US" b="1" i="0" u="none" strike="noStrike" kern="1400" baseline="0" dirty="0">
                 <a:latin typeface="Cambria"/>
                 <a:ea typeface="宋体"/>
               </a:rPr>
               <a:t>在不同的问题中，最优指标函数的定义是不同的，在最短路径问题中，   表 示从第</a:t>
             </a:r>
             <a:r>
-              <a:rPr lang="en-US" altLang="zh-CN" b="1" i="0" u="none" strike="noStrike" kern="1400" baseline="0" dirty="0" smtClean="0">
+              <a:rPr lang="en-US" altLang="zh-CN" b="1" i="0" u="none" strike="noStrike" kern="1400" baseline="0" dirty="0">
                 <a:latin typeface="Cambria"/>
                 <a:ea typeface="宋体"/>
               </a:rPr>
               <a:t>k</a:t>
             </a:r>
             <a:r>
-              <a:rPr lang="zh-CN" altLang="en-US" b="1" i="0" u="none" strike="noStrike" kern="1400" baseline="0" dirty="0" smtClean="0">
+              <a:rPr lang="zh-CN" altLang="en-US" b="1" i="0" u="none" strike="noStrike" kern="1400" baseline="0" dirty="0">
                 <a:latin typeface="Cambria"/>
                 <a:ea typeface="宋体"/>
               </a:rPr>
               <a:t>阶段的     状态到终点的距离。</a:t>
             </a:r>
-            <a:endParaRPr lang="zh-CN" altLang="en-US" b="1" i="0" u="none" strike="noStrike" kern="1400" baseline="0" dirty="0" smtClean="0">
+            <a:endParaRPr lang="zh-CN" altLang="en-US" b="1" i="0" u="none" strike="noStrike" kern="1400" baseline="0" dirty="0">
               <a:latin typeface="Times New Roman"/>
               <a:ea typeface="宋体"/>
             </a:endParaRPr>
@@ -4094,12 +4087,12 @@
           <a:graphicData uri="http://schemas.openxmlformats.org/presentationml/2006/ole">
             <mc:AlternateContent xmlns:mc="http://schemas.openxmlformats.org/markup-compatibility/2006">
               <mc:Choice xmlns:v="urn:schemas-microsoft-com:vml" Requires="v">
-                <p:oleObj spid="_x0000_s1057" r:id="rId3" imgW="2984500" imgH="444500" progId="Equation.DSMT4">
+                <p:oleObj r:id="rId2" imgW="2984500" imgH="444500" progId="Equation.DSMT4">
                   <p:embed/>
                 </p:oleObj>
               </mc:Choice>
               <mc:Fallback>
-                <p:oleObj r:id="rId3" imgW="2984500" imgH="444500" progId="Equation.DSMT4">
+                <p:oleObj r:id="rId2" imgW="2984500" imgH="444500" progId="Equation.DSMT4">
                   <p:embed/>
                   <p:pic>
                     <p:nvPicPr>
@@ -4110,7 +4103,7 @@
                       <p:nvPr/>
                     </p:nvPicPr>
                     <p:blipFill>
-                      <a:blip r:embed="rId4">
+                      <a:blip r:embed="rId3">
                         <a:extLst>
                           <a:ext uri="{28A0092B-C50C-407E-A947-70E740481C1C}">
                             <a14:useLocalDpi xmlns:a14="http://schemas.microsoft.com/office/drawing/2010/main" val="0"/>
@@ -4233,12 +4226,12 @@
           <a:graphicData uri="http://schemas.openxmlformats.org/presentationml/2006/ole">
             <mc:AlternateContent xmlns:mc="http://schemas.openxmlformats.org/markup-compatibility/2006">
               <mc:Choice xmlns:v="urn:schemas-microsoft-com:vml" Requires="v">
-                <p:oleObj spid="_x0000_s1058" r:id="rId5" imgW="2997200" imgH="393700" progId="Equation.DSMT4">
+                <p:oleObj r:id="rId4" imgW="2997200" imgH="393700" progId="Equation.DSMT4">
                   <p:embed/>
                 </p:oleObj>
               </mc:Choice>
               <mc:Fallback>
-                <p:oleObj r:id="rId5" imgW="2997200" imgH="393700" progId="Equation.DSMT4">
+                <p:oleObj r:id="rId4" imgW="2997200" imgH="393700" progId="Equation.DSMT4">
                   <p:embed/>
                   <p:pic>
                     <p:nvPicPr>
@@ -4249,7 +4242,7 @@
                       <p:nvPr/>
                     </p:nvPicPr>
                     <p:blipFill>
-                      <a:blip r:embed="rId6">
+                      <a:blip r:embed="rId5">
                         <a:extLst>
                           <a:ext uri="{28A0092B-C50C-407E-A947-70E740481C1C}">
                             <a14:useLocalDpi xmlns:a14="http://schemas.microsoft.com/office/drawing/2010/main" val="0"/>
@@ -4372,12 +4365,12 @@
           <a:graphicData uri="http://schemas.openxmlformats.org/presentationml/2006/ole">
             <mc:AlternateContent xmlns:mc="http://schemas.openxmlformats.org/markup-compatibility/2006">
               <mc:Choice xmlns:v="urn:schemas-microsoft-com:vml" Requires="v">
-                <p:oleObj spid="_x0000_s1059" r:id="rId7" imgW="444307" imgH="228501" progId="Equation.DSMT4">
+                <p:oleObj r:id="rId6" imgW="444307" imgH="228501" progId="Equation.DSMT4">
                   <p:embed/>
                 </p:oleObj>
               </mc:Choice>
               <mc:Fallback>
-                <p:oleObj r:id="rId7" imgW="444307" imgH="228501" progId="Equation.DSMT4">
+                <p:oleObj r:id="rId6" imgW="444307" imgH="228501" progId="Equation.DSMT4">
                   <p:embed/>
                   <p:pic>
                     <p:nvPicPr>
@@ -4388,7 +4381,7 @@
                       <p:nvPr/>
                     </p:nvPicPr>
                     <p:blipFill>
-                      <a:blip r:embed="rId8">
+                      <a:blip r:embed="rId7">
                         <a:extLst>
                           <a:ext uri="{28A0092B-C50C-407E-A947-70E740481C1C}">
                             <a14:useLocalDpi xmlns:a14="http://schemas.microsoft.com/office/drawing/2010/main" val="0"/>
@@ -4511,12 +4504,12 @@
           <a:graphicData uri="http://schemas.openxmlformats.org/presentationml/2006/ole">
             <mc:AlternateContent xmlns:mc="http://schemas.openxmlformats.org/markup-compatibility/2006">
               <mc:Choice xmlns:v="urn:schemas-microsoft-com:vml" Requires="v">
-                <p:oleObj spid="_x0000_s1060" r:id="rId9" imgW="177646" imgH="228402" progId="Equation.DSMT4">
+                <p:oleObj r:id="rId8" imgW="177646" imgH="228402" progId="Equation.DSMT4">
                   <p:embed/>
                 </p:oleObj>
               </mc:Choice>
               <mc:Fallback>
-                <p:oleObj r:id="rId9" imgW="177646" imgH="228402" progId="Equation.DSMT4">
+                <p:oleObj r:id="rId8" imgW="177646" imgH="228402" progId="Equation.DSMT4">
                   <p:embed/>
                   <p:pic>
                     <p:nvPicPr>
@@ -4527,7 +4520,7 @@
                       <p:nvPr/>
                     </p:nvPicPr>
                     <p:blipFill>
-                      <a:blip r:embed="rId10">
+                      <a:blip r:embed="rId9">
                         <a:extLst>
                           <a:ext uri="{28A0092B-C50C-407E-A947-70E740481C1C}">
                             <a14:useLocalDpi xmlns:a14="http://schemas.microsoft.com/office/drawing/2010/main" val="0"/>
@@ -4650,12 +4643,12 @@
           <a:graphicData uri="http://schemas.openxmlformats.org/presentationml/2006/ole">
             <mc:AlternateContent xmlns:mc="http://schemas.openxmlformats.org/markup-compatibility/2006">
               <mc:Choice xmlns:v="urn:schemas-microsoft-com:vml" Requires="v">
-                <p:oleObj spid="_x0000_s1061" r:id="rId11" imgW="3124200" imgH="241300" progId="Equation.DSMT4">
+                <p:oleObj r:id="rId10" imgW="3124200" imgH="241300" progId="Equation.DSMT4">
                   <p:embed/>
                 </p:oleObj>
               </mc:Choice>
               <mc:Fallback>
-                <p:oleObj r:id="rId11" imgW="3124200" imgH="241300" progId="Equation.DSMT4">
+                <p:oleObj r:id="rId10" imgW="3124200" imgH="241300" progId="Equation.DSMT4">
                   <p:embed/>
                   <p:pic>
                     <p:nvPicPr>
@@ -4666,7 +4659,7 @@
                       <p:nvPr/>
                     </p:nvPicPr>
                     <p:blipFill>
-                      <a:blip r:embed="rId12">
+                      <a:blip r:embed="rId11">
                         <a:extLst>
                           <a:ext uri="{28A0092B-C50C-407E-A947-70E740481C1C}">
                             <a14:useLocalDpi xmlns:a14="http://schemas.microsoft.com/office/drawing/2010/main" val="0"/>
@@ -4789,12 +4782,12 @@
           <a:graphicData uri="http://schemas.openxmlformats.org/presentationml/2006/ole">
             <mc:AlternateContent xmlns:mc="http://schemas.openxmlformats.org/markup-compatibility/2006">
               <mc:Choice xmlns:v="urn:schemas-microsoft-com:vml" Requires="v">
-                <p:oleObj spid="_x0000_s1062" r:id="rId13" imgW="253890" imgH="241195" progId="Equation.DSMT4">
+                <p:oleObj r:id="rId12" imgW="253890" imgH="241195" progId="Equation.DSMT4">
                   <p:embed/>
                 </p:oleObj>
               </mc:Choice>
               <mc:Fallback>
-                <p:oleObj r:id="rId13" imgW="253890" imgH="241195" progId="Equation.DSMT4">
+                <p:oleObj r:id="rId12" imgW="253890" imgH="241195" progId="Equation.DSMT4">
                   <p:embed/>
                   <p:pic>
                     <p:nvPicPr>
@@ -4805,7 +4798,7 @@
                       <p:nvPr/>
                     </p:nvPicPr>
                     <p:blipFill>
-                      <a:blip r:embed="rId14">
+                      <a:blip r:embed="rId13">
                         <a:extLst>
                           <a:ext uri="{28A0092B-C50C-407E-A947-70E740481C1C}">
                             <a14:useLocalDpi xmlns:a14="http://schemas.microsoft.com/office/drawing/2010/main" val="0"/>
@@ -4928,12 +4921,12 @@
           <a:graphicData uri="http://schemas.openxmlformats.org/presentationml/2006/ole">
             <mc:AlternateContent xmlns:mc="http://schemas.openxmlformats.org/markup-compatibility/2006">
               <mc:Choice xmlns:v="urn:schemas-microsoft-com:vml" Requires="v">
-                <p:oleObj spid="_x0000_s1063" r:id="rId15" imgW="177646" imgH="228402" progId="Equation.DSMT4">
+                <p:oleObj r:id="rId14" imgW="177646" imgH="228402" progId="Equation.DSMT4">
                   <p:embed/>
                 </p:oleObj>
               </mc:Choice>
               <mc:Fallback>
-                <p:oleObj r:id="rId15" imgW="177646" imgH="228402" progId="Equation.DSMT4">
+                <p:oleObj r:id="rId14" imgW="177646" imgH="228402" progId="Equation.DSMT4">
                   <p:embed/>
                   <p:pic>
                     <p:nvPicPr>
@@ -4944,7 +4937,7 @@
                       <p:nvPr/>
                     </p:nvPicPr>
                     <p:blipFill>
-                      <a:blip r:embed="rId16">
+                      <a:blip r:embed="rId15">
                         <a:extLst>
                           <a:ext uri="{28A0092B-C50C-407E-A947-70E740481C1C}">
                             <a14:useLocalDpi xmlns:a14="http://schemas.microsoft.com/office/drawing/2010/main" val="0"/>
@@ -5067,12 +5060,12 @@
           <a:graphicData uri="http://schemas.openxmlformats.org/presentationml/2006/ole">
             <mc:AlternateContent xmlns:mc="http://schemas.openxmlformats.org/markup-compatibility/2006">
               <mc:Choice xmlns:v="urn:schemas-microsoft-com:vml" Requires="v">
-                <p:oleObj spid="_x0000_s1064" r:id="rId17" imgW="177646" imgH="228402" progId="Equation.DSMT4">
+                <p:oleObj r:id="rId16" imgW="177646" imgH="228402" progId="Equation.DSMT4">
                   <p:embed/>
                 </p:oleObj>
               </mc:Choice>
               <mc:Fallback>
-                <p:oleObj r:id="rId17" imgW="177646" imgH="228402" progId="Equation.DSMT4">
+                <p:oleObj r:id="rId16" imgW="177646" imgH="228402" progId="Equation.DSMT4">
                   <p:embed/>
                   <p:pic>
                     <p:nvPicPr>
@@ -5083,7 +5076,7 @@
                       <p:nvPr/>
                     </p:nvPicPr>
                     <p:blipFill>
-                      <a:blip r:embed="rId16">
+                      <a:blip r:embed="rId15">
                         <a:extLst>
                           <a:ext uri="{28A0092B-C50C-407E-A947-70E740481C1C}">
                             <a14:useLocalDpi xmlns:a14="http://schemas.microsoft.com/office/drawing/2010/main" val="0"/>
@@ -5168,34 +5161,34 @@
           <a:p>
             <a:pPr marR="0" rtl="0"/>
             <a:r>
-              <a:rPr lang="en-US" altLang="zh-CN" b="1" i="0" u="none" strike="noStrike" baseline="0" smtClean="0">
+              <a:rPr lang="en-US" altLang="zh-CN" b="1" i="0" u="none" strike="noStrike" baseline="0">
                 <a:latin typeface="Cambria"/>
                 <a:ea typeface="宋体"/>
               </a:rPr>
               <a:t>7</a:t>
             </a:r>
             <a:r>
-              <a:rPr lang="en-US" altLang="zh-CN" b="1" i="0" u="none" strike="noStrike" baseline="0" smtClean="0">
+              <a:rPr lang="en-US" altLang="zh-CN" b="1" i="0" u="none" strike="noStrike" baseline="0">
                 <a:latin typeface="Times New Roman"/>
                 <a:ea typeface="宋体"/>
               </a:rPr>
               <a:t>.</a:t>
             </a:r>
             <a:r>
-              <a:rPr lang="en-US" altLang="zh-CN" b="1" i="0" u="none" strike="noStrike" baseline="0" smtClean="0">
+              <a:rPr lang="en-US" altLang="zh-CN" b="1" i="0" u="none" strike="noStrike" baseline="0">
                 <a:latin typeface="Cambria"/>
                 <a:ea typeface="宋体"/>
               </a:rPr>
               <a:t>3</a:t>
             </a:r>
             <a:r>
-              <a:rPr lang="zh-CN" altLang="en-US" b="1" i="0" u="none" strike="noStrike" baseline="0" smtClean="0">
+              <a:rPr lang="zh-CN" altLang="en-US" b="1" i="0" u="none" strike="noStrike" baseline="0">
                 <a:latin typeface="Cambria"/>
                 <a:ea typeface="宋体"/>
               </a:rPr>
               <a:t>  动态规划的最优化原理</a:t>
             </a:r>
-            <a:endParaRPr lang="zh-CN" altLang="en-US" b="1" i="0" u="none" strike="noStrike" baseline="0" smtClean="0">
+            <a:endParaRPr lang="zh-CN" altLang="en-US" b="1" i="0" u="none" strike="noStrike" baseline="0">
               <a:latin typeface="Times New Roman"/>
               <a:ea typeface="宋体"/>
             </a:endParaRPr>
@@ -5226,7 +5219,7 @@
           <a:p>
             <a:pPr marR="0" lvl="0" rtl="0"/>
             <a:r>
-              <a:rPr lang="zh-CN" altLang="en-US" b="1" i="0" u="none" strike="noStrike" kern="1400" baseline="0" dirty="0" smtClean="0">
+              <a:rPr lang="zh-CN" altLang="en-US" b="1" i="0" u="none" strike="noStrike" kern="1400" baseline="0" dirty="0">
                 <a:latin typeface="Cambria"/>
                 <a:ea typeface="宋体"/>
               </a:rPr>
@@ -5236,7 +5229,7 @@
           <a:p>
             <a:pPr marR="0" lvl="0" rtl="0"/>
             <a:r>
-              <a:rPr lang="zh-CN" altLang="en-US" b="1" i="0" u="none" strike="noStrike" kern="1400" baseline="0" dirty="0" smtClean="0">
+              <a:rPr lang="zh-CN" altLang="en-US" b="1" i="0" u="none" strike="noStrike" kern="1400" baseline="0" dirty="0">
                 <a:latin typeface="Cambria"/>
                 <a:ea typeface="宋体"/>
               </a:rPr>
@@ -5246,7 +5239,7 @@
           <a:p>
             <a:pPr marR="0" lvl="0" rtl="0"/>
             <a:r>
-              <a:rPr lang="zh-CN" altLang="en-US" b="1" i="0" u="none" strike="noStrike" kern="1400" baseline="0" dirty="0" smtClean="0">
+              <a:rPr lang="zh-CN" altLang="en-US" b="1" i="0" u="none" strike="noStrike" kern="1400" baseline="0" dirty="0">
                 <a:latin typeface="Cambria"/>
                 <a:ea typeface="宋体"/>
               </a:rPr>
@@ -5255,7 +5248,7 @@
           </a:p>
           <a:p>
             <a:pPr marR="0" lvl="0" rtl="0"/>
-            <a:endParaRPr lang="zh-CN" altLang="en-US" b="1" i="0" u="none" strike="noStrike" kern="1400" baseline="0" dirty="0" smtClean="0">
+            <a:endParaRPr lang="zh-CN" altLang="en-US" b="1" i="0" u="none" strike="noStrike" kern="1400" baseline="0" dirty="0">
               <a:latin typeface="Times New Roman"/>
               <a:ea typeface="宋体"/>
             </a:endParaRPr>
@@ -5269,7 +5262,7 @@
           <p:nvPr/>
         </p:nvPicPr>
         <p:blipFill>
-          <a:blip r:embed="rId3">
+          <a:blip r:embed="rId2">
             <a:extLst>
               <a:ext uri="{28A0092B-C50C-407E-A947-70E740481C1C}">
                 <a14:useLocalDpi xmlns:a14="http://schemas.microsoft.com/office/drawing/2010/main" val="0"/>
@@ -5423,12 +5416,12 @@
           <a:graphicData uri="http://schemas.openxmlformats.org/presentationml/2006/ole">
             <mc:AlternateContent xmlns:mc="http://schemas.openxmlformats.org/markup-compatibility/2006">
               <mc:Choice xmlns:v="urn:schemas-microsoft-com:vml" Requires="v">
-                <p:oleObj spid="_x0000_s2053" r:id="rId4" imgW="3060700" imgH="304800" progId="Equation.DSMT4">
+                <p:oleObj r:id="rId3" imgW="3060700" imgH="304800" progId="Equation.DSMT4">
                   <p:embed/>
                 </p:oleObj>
               </mc:Choice>
               <mc:Fallback>
-                <p:oleObj r:id="rId4" imgW="3060700" imgH="304800" progId="Equation.DSMT4">
+                <p:oleObj r:id="rId3" imgW="3060700" imgH="304800" progId="Equation.DSMT4">
                   <p:embed/>
                   <p:pic>
                     <p:nvPicPr>
@@ -5439,7 +5432,7 @@
                       <p:nvPr/>
                     </p:nvPicPr>
                     <p:blipFill>
-                      <a:blip r:embed="rId5">
+                      <a:blip r:embed="rId4">
                         <a:extLst>
                           <a:ext uri="{28A0092B-C50C-407E-A947-70E740481C1C}">
                             <a14:useLocalDpi xmlns:a14="http://schemas.microsoft.com/office/drawing/2010/main" val="0"/>
@@ -5524,34 +5517,34 @@
           <a:p>
             <a:pPr marR="0" rtl="0"/>
             <a:r>
-              <a:rPr lang="en-US" altLang="zh-CN" b="1" i="0" u="none" strike="noStrike" baseline="0" smtClean="0">
+              <a:rPr lang="en-US" altLang="zh-CN" b="1" i="0" u="none" strike="noStrike" baseline="0">
                 <a:latin typeface="Cambria"/>
                 <a:ea typeface="宋体"/>
               </a:rPr>
               <a:t>7</a:t>
             </a:r>
             <a:r>
-              <a:rPr lang="en-US" altLang="zh-CN" b="1" i="0" u="none" strike="noStrike" baseline="0" smtClean="0">
+              <a:rPr lang="en-US" altLang="zh-CN" b="1" i="0" u="none" strike="noStrike" baseline="0">
                 <a:latin typeface="Times New Roman"/>
                 <a:ea typeface="宋体"/>
               </a:rPr>
               <a:t>.</a:t>
             </a:r>
             <a:r>
-              <a:rPr lang="en-US" altLang="zh-CN" b="1" i="0" u="none" strike="noStrike" baseline="0" smtClean="0">
+              <a:rPr lang="en-US" altLang="zh-CN" b="1" i="0" u="none" strike="noStrike" baseline="0">
                 <a:latin typeface="Cambria"/>
                 <a:ea typeface="宋体"/>
               </a:rPr>
               <a:t>4</a:t>
             </a:r>
             <a:r>
-              <a:rPr lang="zh-CN" altLang="en-US" b="1" i="0" u="none" strike="noStrike" baseline="0" smtClean="0">
+              <a:rPr lang="zh-CN" altLang="en-US" b="1" i="0" u="none" strike="noStrike" baseline="0">
                 <a:latin typeface="Cambria"/>
                 <a:ea typeface="宋体"/>
               </a:rPr>
               <a:t>  最短路径问题</a:t>
             </a:r>
-            <a:endParaRPr lang="zh-CN" altLang="en-US" b="1" i="0" u="none" strike="noStrike" baseline="0" smtClean="0">
+            <a:endParaRPr lang="zh-CN" altLang="en-US" b="1" i="0" u="none" strike="noStrike" baseline="0">
               <a:latin typeface="Times New Roman"/>
               <a:ea typeface="宋体"/>
             </a:endParaRPr>
@@ -5575,49 +5568,49 @@
           <a:p>
             <a:pPr marR="0" lvl="0" rtl="0"/>
             <a:r>
-              <a:rPr lang="zh-CN" altLang="en-US" b="1" i="0" u="none" strike="noStrike" kern="1400" baseline="0" dirty="0" smtClean="0">
+              <a:rPr lang="zh-CN" altLang="en-US" b="1" i="0" u="none" strike="noStrike" kern="1400" baseline="0" dirty="0">
                 <a:latin typeface="Cambria"/>
                 <a:ea typeface="宋体"/>
               </a:rPr>
               <a:t>最短路径是一类典型的动态规划问题，以前面的例子为例，从</a:t>
             </a:r>
             <a:r>
-              <a:rPr lang="en-US" altLang="zh-CN" b="1" i="0" u="none" strike="noStrike" kern="1400" baseline="0" dirty="0" smtClean="0">
+              <a:rPr lang="en-US" altLang="zh-CN" b="1" i="0" u="none" strike="noStrike" kern="1400" baseline="0" dirty="0">
                 <a:latin typeface="Cambria"/>
                 <a:ea typeface="宋体"/>
               </a:rPr>
               <a:t>A</a:t>
             </a:r>
             <a:r>
-              <a:rPr lang="zh-CN" altLang="en-US" b="1" i="0" u="none" strike="noStrike" kern="1400" baseline="0" dirty="0" smtClean="0">
+              <a:rPr lang="zh-CN" altLang="en-US" b="1" i="0" u="none" strike="noStrike" kern="1400" baseline="0" dirty="0">
                 <a:latin typeface="Cambria"/>
                 <a:ea typeface="宋体"/>
               </a:rPr>
               <a:t>点出发，到达</a:t>
             </a:r>
             <a:r>
-              <a:rPr lang="en-US" altLang="zh-CN" b="1" i="0" u="none" strike="noStrike" kern="1400" baseline="0" dirty="0" smtClean="0">
+              <a:rPr lang="en-US" altLang="zh-CN" b="1" i="0" u="none" strike="noStrike" kern="1400" baseline="0" dirty="0">
                 <a:latin typeface="Cambria"/>
                 <a:ea typeface="宋体"/>
               </a:rPr>
               <a:t>D</a:t>
             </a:r>
             <a:r>
-              <a:rPr lang="zh-CN" altLang="en-US" b="1" i="0" u="none" strike="noStrike" kern="1400" baseline="0" dirty="0" smtClean="0">
+              <a:rPr lang="zh-CN" altLang="en-US" b="1" i="0" u="none" strike="noStrike" kern="1400" baseline="0" dirty="0">
                 <a:latin typeface="Cambria"/>
                 <a:ea typeface="宋体"/>
               </a:rPr>
               <a:t>点的最短路径，以前面的图</a:t>
             </a:r>
             <a:r>
-              <a:rPr lang="en-US" altLang="zh-CN" b="1" i="0" u="none" strike="noStrike" kern="1400" baseline="0" dirty="0" smtClean="0">
+              <a:rPr lang="en-US" altLang="zh-CN" b="1" i="0" u="none" strike="noStrike" kern="1400" baseline="0" dirty="0">
                 <a:latin typeface="Cambria"/>
                 <a:ea typeface="宋体"/>
               </a:rPr>
               <a:t>7.1</a:t>
             </a:r>
             <a:r>
-              <a:rPr lang="zh-CN" altLang="en-US" b="1" i="0" u="none" strike="noStrike" kern="1400" baseline="0" dirty="0" smtClean="0">
+              <a:rPr lang="zh-CN" altLang="en-US" b="1" i="0" u="none" strike="noStrike" kern="1400" baseline="0" dirty="0">
                 <a:latin typeface="Cambria"/>
                 <a:ea typeface="宋体"/>
               </a:rPr>
@@ -5626,7 +5619,7 @@
           </a:p>
           <a:p>
             <a:pPr marR="0" lvl="0" rtl="0"/>
-            <a:endParaRPr lang="zh-CN" altLang="en-US" b="1" i="0" u="none" strike="noStrike" kern="1400" baseline="0" dirty="0" smtClean="0">
+            <a:endParaRPr lang="zh-CN" altLang="en-US" b="1" i="0" u="none" strike="noStrike" kern="1400" baseline="0" dirty="0">
               <a:latin typeface="Times New Roman"/>
               <a:ea typeface="宋体"/>
             </a:endParaRPr>
@@ -5704,17 +5697,8 @@
               <a:rPr lang="zh-CN" altLang="en-US" b="1" kern="1400" dirty="0">
                 <a:latin typeface="Cambria"/>
               </a:rPr>
-              <a:t>最短路径</a:t>
-            </a:r>
-            <a:r>
-              <a:rPr lang="zh-CN" altLang="en-US" b="1" kern="1400" dirty="0" smtClean="0">
-                <a:latin typeface="Cambria"/>
-              </a:rPr>
-              <a:t>网络</a:t>
-            </a:r>
-            <a:endParaRPr lang="zh-CN" altLang="en-US" b="1" kern="1400" dirty="0">
-              <a:latin typeface="Cambria"/>
-            </a:endParaRPr>
+              <a:t>最短路径网络</a:t>
+            </a:r>
           </a:p>
         </p:txBody>
       </p:sp>
@@ -5765,48 +5749,48 @@
           <a:p>
             <a:pPr marR="0" rtl="0"/>
             <a:r>
-              <a:rPr lang="en-US" altLang="zh-CN" b="1" i="0" u="none" strike="noStrike" baseline="0" smtClean="0">
+              <a:rPr lang="en-US" altLang="zh-CN" b="1" i="0" u="none" strike="noStrike" baseline="0">
                 <a:latin typeface="Cambria"/>
                 <a:ea typeface="宋体"/>
               </a:rPr>
               <a:t>7</a:t>
             </a:r>
             <a:r>
-              <a:rPr lang="en-US" altLang="zh-CN" b="1" i="0" u="none" strike="noStrike" baseline="0" smtClean="0">
+              <a:rPr lang="en-US" altLang="zh-CN" b="1" i="0" u="none" strike="noStrike" baseline="0">
                 <a:latin typeface="Times New Roman"/>
                 <a:ea typeface="宋体"/>
               </a:rPr>
               <a:t>.</a:t>
             </a:r>
             <a:r>
-              <a:rPr lang="en-US" altLang="zh-CN" b="1" i="0" u="none" strike="noStrike" baseline="0" smtClean="0">
+              <a:rPr lang="en-US" altLang="zh-CN" b="1" i="0" u="none" strike="noStrike" baseline="0">
                 <a:latin typeface="Cambria"/>
                 <a:ea typeface="宋体"/>
               </a:rPr>
               <a:t>5</a:t>
             </a:r>
             <a:r>
-              <a:rPr lang="zh-CN" altLang="en-US" b="1" i="0" u="none" strike="noStrike" baseline="0" smtClean="0">
+              <a:rPr lang="zh-CN" altLang="en-US" b="1" i="0" u="none" strike="noStrike" baseline="0">
                 <a:latin typeface="Cambria"/>
                 <a:ea typeface="宋体"/>
               </a:rPr>
               <a:t>  </a:t>
             </a:r>
             <a:r>
-              <a:rPr lang="en-US" altLang="zh-CN" b="1" i="0" u="none" strike="noStrike" baseline="0" smtClean="0">
+              <a:rPr lang="en-US" altLang="zh-CN" b="1" i="0" u="none" strike="noStrike" baseline="0">
                 <a:latin typeface="Cambria"/>
                 <a:ea typeface="宋体"/>
               </a:rPr>
               <a:t>MIP</a:t>
             </a:r>
             <a:r>
-              <a:rPr lang="zh-CN" altLang="en-US" b="1" i="0" u="none" strike="noStrike" baseline="0" smtClean="0">
+              <a:rPr lang="zh-CN" altLang="en-US" b="1" i="0" u="none" strike="noStrike" baseline="0">
                 <a:latin typeface="Cambria"/>
                 <a:ea typeface="宋体"/>
               </a:rPr>
               <a:t>解最短路径问题</a:t>
             </a:r>
-            <a:endParaRPr lang="zh-CN" altLang="en-US" b="1" i="0" u="none" strike="noStrike" baseline="0" smtClean="0">
+            <a:endParaRPr lang="zh-CN" altLang="en-US" b="1" i="0" u="none" strike="noStrike" baseline="0">
               <a:latin typeface="Times New Roman"/>
               <a:ea typeface="宋体"/>
             </a:endParaRPr>
@@ -5830,35 +5814,35 @@
           <a:p>
             <a:pPr marR="0" lvl="0" rtl="0"/>
             <a:r>
-              <a:rPr lang="zh-CN" altLang="en-US" b="1" i="0" u="none" strike="noStrike" kern="1400" baseline="0" dirty="0" smtClean="0">
+              <a:rPr lang="zh-CN" altLang="en-US" b="1" i="0" u="none" strike="noStrike" kern="1400" baseline="0" dirty="0">
                 <a:latin typeface="Cambria"/>
                 <a:ea typeface="宋体"/>
               </a:rPr>
               <a:t>上面我们使用动态规划求解从起点到终点的最短路径，其实也可以看成一个整数规划问题，和以后的章节中讲到的</a:t>
             </a:r>
             <a:r>
-              <a:rPr lang="en-US" altLang="zh-CN" b="1" i="0" u="none" strike="noStrike" kern="1400" baseline="0" dirty="0" smtClean="0">
+              <a:rPr lang="en-US" altLang="zh-CN" b="1" i="0" u="none" strike="noStrike" kern="1400" baseline="0" dirty="0">
                 <a:latin typeface="Cambria"/>
                 <a:ea typeface="宋体"/>
               </a:rPr>
               <a:t>TSP</a:t>
             </a:r>
             <a:r>
-              <a:rPr lang="zh-CN" altLang="en-US" b="1" i="0" u="none" strike="noStrike" kern="1400" baseline="0" dirty="0" smtClean="0">
+              <a:rPr lang="zh-CN" altLang="en-US" b="1" i="0" u="none" strike="noStrike" kern="1400" baseline="0" dirty="0">
                 <a:latin typeface="Cambria"/>
                 <a:ea typeface="宋体"/>
               </a:rPr>
               <a:t>问题很相似，如图</a:t>
             </a:r>
             <a:r>
-              <a:rPr lang="en-US" altLang="zh-CN" b="1" i="0" u="none" strike="noStrike" kern="1400" baseline="0" dirty="0" smtClean="0">
+              <a:rPr lang="en-US" altLang="zh-CN" b="1" i="0" u="none" strike="noStrike" kern="1400" baseline="0" dirty="0">
                 <a:latin typeface="Cambria"/>
                 <a:ea typeface="宋体"/>
               </a:rPr>
               <a:t>7.1</a:t>
             </a:r>
             <a:r>
-              <a:rPr lang="zh-CN" altLang="en-US" b="1" i="0" u="none" strike="noStrike" kern="1400" baseline="0" dirty="0" smtClean="0">
+              <a:rPr lang="zh-CN" altLang="en-US" b="1" i="0" u="none" strike="noStrike" kern="1400" baseline="0" dirty="0">
                 <a:latin typeface="Cambria"/>
                 <a:ea typeface="宋体"/>
               </a:rPr>
@@ -5867,7 +5851,7 @@
           </a:p>
           <a:p>
             <a:pPr marR="0" lvl="0" rtl="0"/>
-            <a:endParaRPr lang="zh-CN" altLang="en-US" b="1" i="0" u="none" strike="noStrike" kern="1400" baseline="0" dirty="0" smtClean="0">
+            <a:endParaRPr lang="zh-CN" altLang="en-US" b="1" i="0" u="none" strike="noStrike" kern="1400" baseline="0" dirty="0">
               <a:latin typeface="Times New Roman"/>
               <a:ea typeface="宋体"/>
             </a:endParaRPr>
@@ -6000,34 +5984,34 @@
           <a:p>
             <a:pPr marR="0" rtl="0"/>
             <a:r>
-              <a:rPr lang="en-US" altLang="zh-CN" b="1" i="0" u="none" strike="noStrike" baseline="0" smtClean="0">
+              <a:rPr lang="en-US" altLang="zh-CN" b="1" i="0" u="none" strike="noStrike" baseline="0">
                 <a:latin typeface="Cambria"/>
                 <a:ea typeface="宋体"/>
               </a:rPr>
               <a:t>7</a:t>
             </a:r>
             <a:r>
-              <a:rPr lang="en-US" altLang="zh-CN" b="1" i="0" u="none" strike="noStrike" baseline="0" smtClean="0">
+              <a:rPr lang="en-US" altLang="zh-CN" b="1" i="0" u="none" strike="noStrike" baseline="0">
                 <a:latin typeface="Times New Roman"/>
                 <a:ea typeface="宋体"/>
               </a:rPr>
               <a:t>.</a:t>
             </a:r>
             <a:r>
-              <a:rPr lang="en-US" altLang="zh-CN" b="1" i="0" u="none" strike="noStrike" baseline="0" smtClean="0">
+              <a:rPr lang="en-US" altLang="zh-CN" b="1" i="0" u="none" strike="noStrike" baseline="0">
                 <a:latin typeface="Cambria"/>
                 <a:ea typeface="宋体"/>
               </a:rPr>
               <a:t>6</a:t>
             </a:r>
             <a:r>
-              <a:rPr lang="zh-CN" altLang="en-US" b="1" i="0" u="none" strike="noStrike" baseline="0" smtClean="0">
+              <a:rPr lang="zh-CN" altLang="en-US" b="1" i="0" u="none" strike="noStrike" baseline="0">
                 <a:latin typeface="Cambria"/>
                 <a:ea typeface="宋体"/>
               </a:rPr>
               <a:t>  背包问题</a:t>
             </a:r>
-            <a:endParaRPr lang="zh-CN" altLang="en-US" b="1" i="0" u="none" strike="noStrike" baseline="0" smtClean="0">
+            <a:endParaRPr lang="zh-CN" altLang="en-US" b="1" i="0" u="none" strike="noStrike" baseline="0">
               <a:latin typeface="Times New Roman"/>
               <a:ea typeface="宋体"/>
             </a:endParaRPr>
@@ -6053,7 +6037,7 @@
           <a:p>
             <a:pPr marR="0" lvl="0" rtl="0"/>
             <a:r>
-              <a:rPr lang="zh-CN" altLang="en-US" b="1" i="0" u="none" strike="noStrike" kern="1400" baseline="0" dirty="0" smtClean="0">
+              <a:rPr lang="zh-CN" altLang="en-US" b="1" i="0" u="none" strike="noStrike" kern="1400" baseline="0" dirty="0">
                 <a:latin typeface="Cambria"/>
                 <a:ea typeface="宋体"/>
               </a:rPr>
@@ -6063,105 +6047,105 @@
           <a:p>
             <a:pPr marR="0" lvl="0" rtl="0"/>
             <a:r>
-              <a:rPr lang="zh-CN" altLang="en-US" b="1" i="0" u="none" strike="noStrike" kern="1400" baseline="0" dirty="0" smtClean="0">
+              <a:rPr lang="zh-CN" altLang="en-US" b="1" i="0" u="none" strike="noStrike" kern="1400" baseline="0" dirty="0">
                 <a:latin typeface="Cambria"/>
                 <a:ea typeface="宋体"/>
               </a:rPr>
               <a:t>背包问题根据物品的数量分为不同类型背包问题，如果每种物品只有一件，成为</a:t>
             </a:r>
             <a:r>
-              <a:rPr lang="en-US" altLang="zh-CN" b="1" i="0" u="none" strike="noStrike" kern="1400" baseline="0" dirty="0" smtClean="0">
+              <a:rPr lang="en-US" altLang="zh-CN" b="1" i="0" u="none" strike="noStrike" kern="1400" baseline="0" dirty="0">
                 <a:latin typeface="Times New Roman"/>
                 <a:ea typeface="宋体"/>
               </a:rPr>
               <a:t>0-</a:t>
             </a:r>
             <a:r>
-              <a:rPr lang="en-US" altLang="zh-CN" b="1" i="0" u="none" strike="noStrike" kern="1400" baseline="0" dirty="0" smtClean="0">
+              <a:rPr lang="en-US" altLang="zh-CN" b="1" i="0" u="none" strike="noStrike" kern="1400" baseline="0" dirty="0">
                 <a:latin typeface="Cambria"/>
                 <a:ea typeface="宋体"/>
               </a:rPr>
               <a:t>1</a:t>
             </a:r>
             <a:r>
-              <a:rPr lang="zh-CN" altLang="en-US" b="1" i="0" u="none" strike="noStrike" kern="1400" baseline="0" dirty="0" smtClean="0">
+              <a:rPr lang="zh-CN" altLang="en-US" b="1" i="0" u="none" strike="noStrike" kern="1400" baseline="0" dirty="0">
                 <a:latin typeface="Cambria"/>
                 <a:ea typeface="宋体"/>
               </a:rPr>
               <a:t>背包问题，可以看成是</a:t>
             </a:r>
             <a:r>
-              <a:rPr lang="en-US" altLang="zh-CN" b="1" i="0" u="none" strike="noStrike" kern="1400" baseline="0" dirty="0" smtClean="0">
+              <a:rPr lang="en-US" altLang="zh-CN" b="1" i="0" u="none" strike="noStrike" kern="1400" baseline="0" dirty="0">
                 <a:latin typeface="Times New Roman"/>
                 <a:ea typeface="宋体"/>
               </a:rPr>
               <a:t>0-</a:t>
             </a:r>
             <a:r>
-              <a:rPr lang="en-US" altLang="zh-CN" b="1" i="0" u="none" strike="noStrike" kern="1400" baseline="0" dirty="0" smtClean="0">
+              <a:rPr lang="en-US" altLang="zh-CN" b="1" i="0" u="none" strike="noStrike" kern="1400" baseline="0" dirty="0">
                 <a:latin typeface="Cambria"/>
                 <a:ea typeface="宋体"/>
               </a:rPr>
               <a:t>1</a:t>
             </a:r>
             <a:r>
-              <a:rPr lang="zh-CN" altLang="en-US" b="1" i="0" u="none" strike="noStrike" kern="1400" baseline="0" dirty="0" smtClean="0">
+              <a:rPr lang="zh-CN" altLang="en-US" b="1" i="0" u="none" strike="noStrike" kern="1400" baseline="0" dirty="0">
                 <a:latin typeface="Cambria"/>
                 <a:ea typeface="宋体"/>
               </a:rPr>
               <a:t>整数规划问题；如果每种物品有多件，则背包问题可以看成是普通的整数规划问题；对于每件物品，具有两种不同的费用，选择这件物品必须同时付出这两种代价，对于每种代价都有一个可付出的最大值，这种情况是二维费用的背包问题；如果物品之间有冲突，选择</a:t>
             </a:r>
             <a:r>
-              <a:rPr lang="en-US" altLang="zh-CN" b="1" i="0" u="none" strike="noStrike" kern="1400" baseline="0" dirty="0" smtClean="0">
+              <a:rPr lang="en-US" altLang="zh-CN" b="1" i="0" u="none" strike="noStrike" kern="1400" baseline="0" dirty="0">
                 <a:latin typeface="Cambria"/>
                 <a:ea typeface="宋体"/>
               </a:rPr>
               <a:t>A</a:t>
             </a:r>
             <a:r>
-              <a:rPr lang="zh-CN" altLang="en-US" b="1" i="0" u="none" strike="noStrike" kern="1400" baseline="0" dirty="0" smtClean="0">
+              <a:rPr lang="zh-CN" altLang="en-US" b="1" i="0" u="none" strike="noStrike" kern="1400" baseline="0" dirty="0">
                 <a:latin typeface="Cambria"/>
                 <a:ea typeface="宋体"/>
               </a:rPr>
               <a:t>物品则不能选</a:t>
             </a:r>
             <a:r>
-              <a:rPr lang="en-US" altLang="zh-CN" b="1" i="0" u="none" strike="noStrike" kern="1400" baseline="0" dirty="0" smtClean="0">
+              <a:rPr lang="en-US" altLang="zh-CN" b="1" i="0" u="none" strike="noStrike" kern="1400" baseline="0" dirty="0">
                 <a:latin typeface="Cambria"/>
                 <a:ea typeface="宋体"/>
               </a:rPr>
               <a:t>B</a:t>
             </a:r>
             <a:r>
-              <a:rPr lang="zh-CN" altLang="en-US" b="1" i="0" u="none" strike="noStrike" kern="1400" baseline="0" dirty="0" smtClean="0">
+              <a:rPr lang="zh-CN" altLang="en-US" b="1" i="0" u="none" strike="noStrike" kern="1400" baseline="0" dirty="0">
                 <a:latin typeface="Cambria"/>
                 <a:ea typeface="宋体"/>
               </a:rPr>
               <a:t>物品，这种情况是分组背包问题，如果物品之间有依赖，选择</a:t>
             </a:r>
             <a:r>
-              <a:rPr lang="en-US" altLang="zh-CN" b="1" i="0" u="none" strike="noStrike" kern="1400" baseline="0" dirty="0" smtClean="0">
+              <a:rPr lang="en-US" altLang="zh-CN" b="1" i="0" u="none" strike="noStrike" kern="1400" baseline="0" dirty="0">
                 <a:latin typeface="Cambria"/>
                 <a:ea typeface="宋体"/>
               </a:rPr>
               <a:t>A</a:t>
             </a:r>
             <a:r>
-              <a:rPr lang="zh-CN" altLang="en-US" b="1" i="0" u="none" strike="noStrike" kern="1400" baseline="0" dirty="0" smtClean="0">
+              <a:rPr lang="zh-CN" altLang="en-US" b="1" i="0" u="none" strike="noStrike" kern="1400" baseline="0" dirty="0">
                 <a:latin typeface="Cambria"/>
                 <a:ea typeface="宋体"/>
               </a:rPr>
               <a:t>物品则必须同时选</a:t>
             </a:r>
             <a:r>
-              <a:rPr lang="en-US" altLang="zh-CN" b="1" i="0" u="none" strike="noStrike" kern="1400" baseline="0" dirty="0" smtClean="0">
+              <a:rPr lang="en-US" altLang="zh-CN" b="1" i="0" u="none" strike="noStrike" kern="1400" baseline="0" dirty="0">
                 <a:latin typeface="Cambria"/>
                 <a:ea typeface="宋体"/>
               </a:rPr>
               <a:t>B</a:t>
             </a:r>
             <a:r>
-              <a:rPr lang="zh-CN" altLang="en-US" b="1" i="0" u="none" strike="noStrike" kern="1400" baseline="0" dirty="0" smtClean="0">
+              <a:rPr lang="zh-CN" altLang="en-US" b="1" i="0" u="none" strike="noStrike" kern="1400" baseline="0" dirty="0">
                 <a:latin typeface="Cambria"/>
                 <a:ea typeface="宋体"/>
               </a:rPr>
@@ -6171,21 +6155,21 @@
           <a:p>
             <a:pPr marR="0" lvl="0" rtl="0"/>
             <a:r>
-              <a:rPr lang="zh-CN" altLang="en-US" b="1" i="0" u="none" strike="noStrike" kern="1400" baseline="0" dirty="0" smtClean="0">
+              <a:rPr lang="zh-CN" altLang="en-US" b="1" i="0" u="none" strike="noStrike" kern="1400" baseline="0" dirty="0">
                 <a:latin typeface="Cambria"/>
                 <a:ea typeface="宋体"/>
               </a:rPr>
               <a:t>逻辑关系图如下</a:t>
             </a:r>
             <a:r>
-              <a:rPr lang="en-US" altLang="zh-CN" b="1" i="0" u="none" strike="noStrike" kern="1400" baseline="0" dirty="0" smtClean="0">
+              <a:rPr lang="en-US" altLang="zh-CN" b="1" i="0" u="none" strike="noStrike" kern="1400" baseline="0" dirty="0">
                 <a:latin typeface="Cambria"/>
                 <a:ea typeface="宋体"/>
               </a:rPr>
               <a:t>7.3</a:t>
             </a:r>
             <a:r>
-              <a:rPr lang="zh-CN" altLang="en-US" b="1" i="0" u="none" strike="noStrike" kern="1400" baseline="0" dirty="0" smtClean="0">
+              <a:rPr lang="zh-CN" altLang="en-US" b="1" i="0" u="none" strike="noStrike" kern="1400" baseline="0" dirty="0">
                 <a:latin typeface="Cambria"/>
                 <a:ea typeface="宋体"/>
               </a:rPr>
@@ -6194,14 +6178,14 @@
           </a:p>
           <a:p>
             <a:pPr marR="0" lvl="0" rtl="0"/>
-            <a:endParaRPr lang="zh-CN" altLang="en-US" b="1" i="0" u="none" strike="noStrike" kern="1400" baseline="0" dirty="0" smtClean="0">
+            <a:endParaRPr lang="zh-CN" altLang="en-US" b="1" i="0" u="none" strike="noStrike" kern="1400" baseline="0" dirty="0">
               <a:ea typeface="宋体"/>
             </a:endParaRPr>
           </a:p>
           <a:p>
             <a:pPr marR="0" lvl="0" rtl="0"/>
             <a:r>
-              <a:rPr lang="zh-CN" altLang="en-US" b="1" i="0" u="none" strike="noStrike" kern="1400" baseline="0" dirty="0" smtClean="0">
+              <a:rPr lang="zh-CN" altLang="en-US" b="1" i="0" u="none" strike="noStrike" kern="1400" baseline="0" dirty="0">
                 <a:ea typeface="宋体"/>
               </a:rPr>
               <a:t>  </a:t>
@@ -6335,34 +6319,34 @@
           <a:p>
             <a:pPr marR="0" rtl="0"/>
             <a:r>
-              <a:rPr lang="en-US" altLang="zh-CN" b="1" i="0" u="none" strike="noStrike" baseline="0" smtClean="0">
+              <a:rPr lang="en-US" altLang="zh-CN" b="1" i="0" u="none" strike="noStrike" baseline="0">
                 <a:latin typeface="Cambria"/>
                 <a:ea typeface="宋体"/>
               </a:rPr>
               <a:t>7</a:t>
             </a:r>
             <a:r>
-              <a:rPr lang="en-US" altLang="zh-CN" b="1" i="0" u="none" strike="noStrike" baseline="0" smtClean="0">
+              <a:rPr lang="en-US" altLang="zh-CN" b="1" i="0" u="none" strike="noStrike" baseline="0">
                 <a:latin typeface="Times New Roman"/>
                 <a:ea typeface="宋体"/>
               </a:rPr>
               <a:t>.</a:t>
             </a:r>
             <a:r>
-              <a:rPr lang="en-US" altLang="zh-CN" b="1" i="0" u="none" strike="noStrike" baseline="0" smtClean="0">
+              <a:rPr lang="en-US" altLang="zh-CN" b="1" i="0" u="none" strike="noStrike" baseline="0">
                 <a:latin typeface="Cambria"/>
                 <a:ea typeface="宋体"/>
               </a:rPr>
               <a:t>7</a:t>
             </a:r>
             <a:r>
-              <a:rPr lang="zh-CN" altLang="en-US" b="1" i="0" u="none" strike="noStrike" baseline="0" smtClean="0">
+              <a:rPr lang="zh-CN" altLang="en-US" b="1" i="0" u="none" strike="noStrike" baseline="0">
                 <a:latin typeface="Cambria"/>
                 <a:ea typeface="宋体"/>
               </a:rPr>
               <a:t>  本章小结</a:t>
             </a:r>
-            <a:endParaRPr lang="zh-CN" altLang="en-US" b="1" i="0" u="none" strike="noStrike" baseline="0" smtClean="0">
+            <a:endParaRPr lang="zh-CN" altLang="en-US" b="1" i="0" u="none" strike="noStrike" baseline="0">
               <a:latin typeface="Times New Roman"/>
               <a:ea typeface="宋体"/>
             </a:endParaRPr>
@@ -6388,35 +6372,35 @@
           <a:p>
             <a:pPr marR="0" lvl="0" rtl="0"/>
             <a:r>
-              <a:rPr lang="zh-CN" altLang="en-US" b="1" i="0" u="none" strike="noStrike" kern="1400" baseline="0" smtClean="0">
+              <a:rPr lang="zh-CN" altLang="en-US" b="1" i="0" u="none" strike="noStrike" kern="1400" baseline="0">
                 <a:latin typeface="Cambria"/>
                 <a:ea typeface="宋体"/>
               </a:rPr>
               <a:t>本章主要讲解动态规划的原理，如何使用动态规划的最优化原理分析问题，并使用动态规划方法求解最短路径问题、背包问题以及分配问题。从中可以看到，部分动态规划问题可以使用线性规划或者整数规划的思路求解，但是在面对特定问题时动态规划比整数规划方法效率更高。动态规划是运筹优化领域一个重要方法，但是多阶段决策问题需要构造特定问题的递推方程，明确各阶段的状态和决策，这也是动态规划较难理解的原因之一。因此，学习动态规划需要多多练习，其中</a:t>
             </a:r>
             <a:r>
-              <a:rPr lang="en-US" altLang="zh-CN" b="1" i="0" u="none" strike="noStrike" kern="1400" baseline="0" smtClean="0">
+              <a:rPr lang="en-US" altLang="zh-CN" b="1" i="0" u="none" strike="noStrike" kern="1400" baseline="0">
                 <a:latin typeface="Cambria"/>
                 <a:ea typeface="宋体"/>
               </a:rPr>
               <a:t>《</a:t>
             </a:r>
             <a:r>
-              <a:rPr lang="zh-CN" altLang="en-US" b="1" i="0" u="none" strike="noStrike" kern="1400" baseline="0" smtClean="0">
+              <a:rPr lang="zh-CN" altLang="en-US" b="1" i="0" u="none" strike="noStrike" kern="1400" baseline="0">
                 <a:latin typeface="Cambria"/>
                 <a:ea typeface="宋体"/>
               </a:rPr>
               <a:t>背包九讲</a:t>
             </a:r>
             <a:r>
-              <a:rPr lang="en-US" altLang="zh-CN" b="1" i="0" u="none" strike="noStrike" kern="1400" baseline="0" smtClean="0">
+              <a:rPr lang="en-US" altLang="zh-CN" b="1" i="0" u="none" strike="noStrike" kern="1400" baseline="0">
                 <a:latin typeface="Cambria"/>
                 <a:ea typeface="宋体"/>
               </a:rPr>
               <a:t>》</a:t>
             </a:r>
             <a:r>
-              <a:rPr lang="zh-CN" altLang="en-US" b="1" i="0" u="none" strike="noStrike" kern="1400" baseline="0" smtClean="0">
+              <a:rPr lang="zh-CN" altLang="en-US" b="1" i="0" u="none" strike="noStrike" kern="1400" baseline="0">
                 <a:latin typeface="Cambria"/>
                 <a:ea typeface="宋体"/>
               </a:rPr>
@@ -6425,7 +6409,7 @@
           </a:p>
           <a:p>
             <a:pPr marR="0" lvl="0" rtl="0"/>
-            <a:endParaRPr lang="zh-CN" altLang="en-US" b="1" i="0" u="none" strike="noStrike" kern="1400" baseline="0" smtClean="0">
+            <a:endParaRPr lang="zh-CN" altLang="en-US" b="1" i="0" u="none" strike="noStrike" kern="1400" baseline="0">
               <a:latin typeface="Times New Roman"/>
               <a:ea typeface="宋体"/>
             </a:endParaRPr>
